--- a/Praesentationen/Futures und Routing.pptx
+++ b/Praesentationen/Futures und Routing.pptx
@@ -267,7 +267,7 @@
             <a:fld id="{A32DC80D-291A-4ABB-A78B-0417274A267C}" type="datetime4">
               <a:rPr lang="de-DE"/>
               <a:pPr/>
-              <a:t>13. August 2013</a:t>
+              <a:t>17. August 2013</a:t>
             </a:fld>
             <a:endParaRPr lang="de-DE"/>
           </a:p>
@@ -369,7 +369,7 @@
             <a:fld id="{C7CC2173-B0D1-45F1-9D54-E33B7353DA19}" type="slidenum">
               <a:rPr lang="de-DE"/>
               <a:pPr/>
-              <a:t>‹Nr.›</a:t>
+              <a:t>‹#›</a:t>
             </a:fld>
             <a:endParaRPr lang="de-DE"/>
           </a:p>
@@ -650,7 +650,7 @@
             <a:fld id="{065B079B-E513-489A-8A1B-D7C78493EA86}" type="datetime4">
               <a:rPr lang="de-DE"/>
               <a:pPr/>
-              <a:t>13. August 2013</a:t>
+              <a:t>17. August 2013</a:t>
             </a:fld>
             <a:endParaRPr lang="de-DE"/>
           </a:p>
@@ -859,7 +859,7 @@
             <a:fld id="{C36AA9A4-5D0B-4134-89A6-D8B9DAA4F25C}" type="slidenum">
               <a:rPr lang="de-DE"/>
               <a:pPr/>
-              <a:t>‹Nr.›</a:t>
+              <a:t>‹#›</a:t>
             </a:fld>
             <a:endParaRPr lang="de-DE"/>
           </a:p>
@@ -1583,7 +1583,7 @@
                 <a:tabLst/>
                 <a:defRPr/>
               </a:pPr>
-              <a:t>13.08.2013</a:t>
+              <a:t>17.08.2013</a:t>
             </a:fld>
             <a:r>
               <a:rPr kumimoji="0" lang="de-DE" sz="1000" b="0" i="0" u="none" strike="noStrike" kern="1200" cap="none" spc="0" normalizeH="0" baseline="0" noProof="0" dirty="0" smtClean="0">
@@ -1600,24 +1600,7 @@
                 <a:ea typeface="+mn-ea"/>
                 <a:cs typeface="Tahoma" pitchFamily="34" charset="0"/>
               </a:rPr>
-              <a:t>  </a:t>
-            </a:r>
-            <a:r>
-              <a:rPr kumimoji="0" lang="de-DE" sz="1000" b="0" i="0" u="none" strike="noStrike" kern="1200" cap="none" spc="0" normalizeH="0" baseline="0" noProof="0" dirty="0" smtClean="0">
-                <a:ln>
-                  <a:noFill/>
-                </a:ln>
-                <a:solidFill>
-                  <a:schemeClr val="tx1"/>
-                </a:solidFill>
-                <a:effectLst/>
-                <a:uLnTx/>
-                <a:uFillTx/>
-                <a:latin typeface="+mn-lt"/>
-                <a:ea typeface="+mn-ea"/>
-                <a:cs typeface="Tahoma" pitchFamily="34" charset="0"/>
-              </a:rPr>
-              <a:t>|  </a:t>
+              <a:t>  |  </a:t>
             </a:r>
             <a:fld id="{8E9B2640-8CD7-45FF-9440-54608BC46479}" type="slidenum">
               <a:rPr kumimoji="0" lang="de-DE" sz="1000" b="0" i="0" u="none" strike="noStrike" kern="1200" cap="none" spc="0" normalizeH="0" baseline="0" noProof="0" smtClean="0">
@@ -1651,7 +1634,7 @@
                 <a:tabLst/>
                 <a:defRPr/>
               </a:pPr>
-              <a:t>‹Nr.›</a:t>
+              <a:t>‹#›</a:t>
             </a:fld>
             <a:endParaRPr kumimoji="0" lang="de-DE" sz="1000" b="0" i="0" u="none" strike="noStrike" kern="1200" cap="none" spc="0" normalizeH="0" baseline="0" noProof="0" dirty="0" smtClean="0">
               <a:ln>
@@ -3049,7 +3032,7 @@
                 <a:tabLst/>
                 <a:defRPr/>
               </a:pPr>
-              <a:t>13.08.2013</a:t>
+              <a:t>17.08.2013</a:t>
             </a:fld>
             <a:r>
               <a:rPr kumimoji="0" lang="de-DE" sz="1000" b="0" i="0" u="none" strike="noStrike" kern="1200" cap="none" spc="0" normalizeH="0" baseline="0" noProof="0" dirty="0" smtClean="0">
@@ -3066,24 +3049,7 @@
                 <a:ea typeface="+mn-ea"/>
                 <a:cs typeface="Tahoma" pitchFamily="34" charset="0"/>
               </a:rPr>
-              <a:t>  </a:t>
-            </a:r>
-            <a:r>
-              <a:rPr kumimoji="0" lang="de-DE" sz="1000" b="0" i="0" u="none" strike="noStrike" kern="1200" cap="none" spc="0" normalizeH="0" baseline="0" noProof="0" dirty="0" smtClean="0">
-                <a:ln>
-                  <a:noFill/>
-                </a:ln>
-                <a:solidFill>
-                  <a:schemeClr val="tx1"/>
-                </a:solidFill>
-                <a:effectLst/>
-                <a:uLnTx/>
-                <a:uFillTx/>
-                <a:latin typeface="+mn-lt"/>
-                <a:ea typeface="+mn-ea"/>
-                <a:cs typeface="Tahoma" pitchFamily="34" charset="0"/>
-              </a:rPr>
-              <a:t>|  </a:t>
+              <a:t>  |  </a:t>
             </a:r>
             <a:fld id="{8E9B2640-8CD7-45FF-9440-54608BC46479}" type="slidenum">
               <a:rPr kumimoji="0" lang="de-DE" sz="1000" b="0" i="0" u="none" strike="noStrike" kern="1200" cap="none" spc="0" normalizeH="0" baseline="0" noProof="0" smtClean="0">
@@ -3117,7 +3083,7 @@
                 <a:tabLst/>
                 <a:defRPr/>
               </a:pPr>
-              <a:t>‹Nr.›</a:t>
+              <a:t>‹#›</a:t>
             </a:fld>
             <a:endParaRPr kumimoji="0" lang="de-DE" sz="1000" b="0" i="0" u="none" strike="noStrike" kern="1200" cap="none" spc="0" normalizeH="0" baseline="0" noProof="0" dirty="0" smtClean="0">
               <a:ln>
@@ -3643,6 +3609,41 @@
           </a:p>
         </p:txBody>
       </p:sp>
+      <p:sp>
+        <p:nvSpPr>
+          <p:cNvPr id="4" name="TextBox 3"/>
+          <p:cNvSpPr txBox="1"/>
+          <p:nvPr/>
+        </p:nvSpPr>
+        <p:spPr>
+          <a:xfrm>
+            <a:off x="5165881" y="5974541"/>
+            <a:ext cx="3672408" cy="338554"/>
+          </a:xfrm>
+          <a:prstGeom prst="rect">
+            <a:avLst/>
+          </a:prstGeom>
+          <a:noFill/>
+        </p:spPr>
+        <p:txBody>
+          <a:bodyPr wrap="square" rtlCol="0">
+            <a:spAutoFit/>
+          </a:bodyPr>
+          <a:lstStyle/>
+          <a:p>
+            <a:pPr algn="r"/>
+            <a:r>
+              <a:rPr lang="de-DE" sz="1600" dirty="0"/>
+              <a:t>Matthias </a:t>
+            </a:r>
+            <a:r>
+              <a:rPr lang="de-DE" sz="1600" dirty="0" smtClean="0"/>
+              <a:t>Jahn, Frederick Schäfer</a:t>
+            </a:r>
+            <a:endParaRPr lang="de-DE" sz="1600" dirty="0"/>
+          </a:p>
+        </p:txBody>
+      </p:sp>
     </p:spTree>
   </p:cSld>
   <p:clrMapOvr>
@@ -3925,11 +3926,7 @@
             </a:r>
             <a:r>
               <a:rPr lang="de-DE" dirty="0" smtClean="0"/>
-              <a:t> </a:t>
-            </a:r>
-            <a:r>
-              <a:rPr lang="de-DE" dirty="0" smtClean="0"/>
-              <a:t>Comprehension</a:t>
+              <a:t> Comprehension</a:t>
             </a:r>
             <a:endParaRPr lang="de-DE" dirty="0"/>
           </a:p>
@@ -4040,8 +4037,10 @@
                 <a:latin typeface="Consolas" pitchFamily="49" charset="0"/>
                 <a:cs typeface="Consolas" pitchFamily="49" charset="0"/>
               </a:rPr>
-              <a:t>  a =&gt; futureB map { b =&gt; a * b </a:t>
-            </a:r>
+              <a:t>  a =&gt; futureB map { b =&gt; a * b }</a:t>
+            </a:r>
+          </a:p>
+          <a:p>
             <a:r>
               <a:rPr lang="de-DE" sz="1600" dirty="0" smtClean="0">
                 <a:latin typeface="Consolas" pitchFamily="49" charset="0"/>
@@ -4049,19 +4048,6 @@
               </a:rPr>
               <a:t>}</a:t>
             </a:r>
-          </a:p>
-          <a:p>
-            <a:r>
-              <a:rPr lang="de-DE" sz="1600" dirty="0" smtClean="0">
-                <a:latin typeface="Consolas" pitchFamily="49" charset="0"/>
-                <a:cs typeface="Consolas" pitchFamily="49" charset="0"/>
-              </a:rPr>
-              <a:t>}</a:t>
-            </a:r>
-            <a:endParaRPr lang="de-DE" sz="1600" dirty="0" smtClean="0">
-              <a:latin typeface="Consolas" pitchFamily="49" charset="0"/>
-              <a:cs typeface="Consolas" pitchFamily="49" charset="0"/>
-            </a:endParaRPr>
           </a:p>
         </p:txBody>
       </p:sp>
@@ -4214,7 +4200,7 @@
         <p:spPr>
           <a:xfrm>
             <a:off x="4970190" y="4218369"/>
-            <a:ext cx="2753927" cy="1077218"/>
+            <a:ext cx="3490242" cy="1077218"/>
           </a:xfrm>
           <a:prstGeom prst="rect">
             <a:avLst/>
@@ -4255,32 +4241,53 @@
                 <a:latin typeface="Consolas" pitchFamily="49" charset="0"/>
                 <a:cs typeface="Consolas" pitchFamily="49" charset="0"/>
               </a:rPr>
-              <a:t> a &lt;- calcA()</a:t>
-            </a:r>
-          </a:p>
-          <a:p>
+              <a:t> a &lt;- </a:t>
+            </a:r>
             <a:r>
               <a:rPr lang="de-DE" sz="1600" dirty="0">
                 <a:latin typeface="Consolas" pitchFamily="49" charset="0"/>
                 <a:cs typeface="Consolas" pitchFamily="49" charset="0"/>
               </a:rPr>
-              <a:t> </a:t>
-            </a:r>
+              <a:t>Future { calcA() }</a:t>
+            </a:r>
+          </a:p>
+          <a:p>
             <a:r>
               <a:rPr lang="de-DE" sz="1600" dirty="0" smtClean="0">
                 <a:latin typeface="Consolas" pitchFamily="49" charset="0"/>
                 <a:cs typeface="Consolas" pitchFamily="49" charset="0"/>
               </a:rPr>
-              <a:t> b &lt;- calcB()</a:t>
-            </a:r>
-          </a:p>
-          <a:p>
+              <a:t>  </a:t>
+            </a:r>
             <a:r>
               <a:rPr lang="de-DE" sz="1600" dirty="0" smtClean="0">
                 <a:latin typeface="Consolas" pitchFamily="49" charset="0"/>
                 <a:cs typeface="Consolas" pitchFamily="49" charset="0"/>
               </a:rPr>
-              <a:t>) yield a * b</a:t>
+              <a:t>b &lt;- </a:t>
+            </a:r>
+            <a:r>
+              <a:rPr lang="de-DE" sz="1600" dirty="0">
+                <a:latin typeface="Consolas" pitchFamily="49" charset="0"/>
+                <a:cs typeface="Consolas" pitchFamily="49" charset="0"/>
+              </a:rPr>
+              <a:t>Future { calcB() }</a:t>
+            </a:r>
+          </a:p>
+          <a:p>
+            <a:r>
+              <a:rPr lang="de-DE" sz="1600" dirty="0" smtClean="0">
+                <a:latin typeface="Consolas" pitchFamily="49" charset="0"/>
+                <a:cs typeface="Consolas" pitchFamily="49" charset="0"/>
+              </a:rPr>
+              <a:t>) </a:t>
+            </a:r>
+            <a:r>
+              <a:rPr lang="de-DE" sz="1600" dirty="0" smtClean="0">
+                <a:latin typeface="Consolas" pitchFamily="49" charset="0"/>
+                <a:cs typeface="Consolas" pitchFamily="49" charset="0"/>
+              </a:rPr>
+              <a:t>yield a * b</a:t>
             </a:r>
             <a:endParaRPr lang="de-DE" sz="1600" dirty="0">
               <a:latin typeface="Consolas" pitchFamily="49" charset="0"/>
@@ -4451,11 +4458,7 @@
             </a:pPr>
             <a:r>
               <a:rPr lang="de-DE" dirty="0" smtClean="0"/>
-              <a:t>Kapselung des </a:t>
-            </a:r>
-            <a:r>
-              <a:rPr lang="de-DE" dirty="0" smtClean="0"/>
-              <a:t>internen </a:t>
+              <a:t>Kapselung des internen </a:t>
             </a:r>
             <a:r>
               <a:rPr lang="de-DE" dirty="0" err="1" smtClean="0"/>
@@ -4463,11 +4466,7 @@
             </a:r>
             <a:r>
               <a:rPr lang="de-DE" dirty="0" smtClean="0"/>
-              <a:t> </a:t>
-            </a:r>
-            <a:r>
-              <a:rPr lang="de-DE" dirty="0" smtClean="0"/>
-              <a:t>beachten</a:t>
+              <a:t> beachten</a:t>
             </a:r>
           </a:p>
           <a:p>
@@ -4497,11 +4496,7 @@
             </a:r>
             <a:r>
               <a:rPr lang="de-DE" dirty="0" smtClean="0"/>
-              <a:t> </a:t>
-            </a:r>
-            <a:r>
-              <a:rPr lang="de-DE" dirty="0" smtClean="0"/>
-              <a:t>ist ein </a:t>
+              <a:t> ist ein </a:t>
             </a:r>
             <a:r>
               <a:rPr lang="de-DE" i="1" dirty="0" err="1" smtClean="0"/>
@@ -4688,15 +4683,7 @@
             </a:pPr>
             <a:r>
               <a:rPr lang="de-DE" dirty="0" smtClean="0"/>
-              <a:t>seit Version </a:t>
-            </a:r>
-            <a:r>
-              <a:rPr lang="de-DE" dirty="0" smtClean="0"/>
-              <a:t>1.2-M8 </a:t>
-            </a:r>
-            <a:r>
-              <a:rPr lang="de-DE" dirty="0" smtClean="0"/>
-              <a:t>zusätzlich mit onSuccess, onFailure und onComplete Direktiven</a:t>
+              <a:t>seit Version 1.2-M8 zusätzlich mit onSuccess, onFailure und onComplete Direktiven</a:t>
             </a:r>
             <a:endParaRPr lang="de-DE" dirty="0"/>
           </a:p>
@@ -5737,11 +5724,7 @@
           <a:p>
             <a:r>
               <a:rPr lang="de-DE" dirty="0" smtClean="0"/>
-              <a:t>Anweisungen </a:t>
-            </a:r>
-            <a:r>
-              <a:rPr lang="de-DE" dirty="0" smtClean="0"/>
-              <a:t>innerhalb des Routingpfades</a:t>
+              <a:t>Anweisungen innerhalb des Routingpfades</a:t>
             </a:r>
             <a:endParaRPr lang="de-DE" dirty="0"/>
           </a:p>
@@ -5755,7 +5738,7 @@
         </p:nvSpPr>
         <p:spPr>
           <a:xfrm>
-            <a:off x="467544" y="2887489"/>
+            <a:off x="467544" y="2602472"/>
             <a:ext cx="7165553" cy="1077218"/>
           </a:xfrm>
           <a:prstGeom prst="rect">
@@ -5909,7 +5892,7 @@
         </p:nvSpPr>
         <p:spPr>
           <a:xfrm>
-            <a:off x="467544" y="4096394"/>
+            <a:off x="500031" y="3727062"/>
             <a:ext cx="5256584" cy="369332"/>
           </a:xfrm>
           <a:prstGeom prst="rect">
@@ -5943,7 +5926,7 @@
         </p:nvSpPr>
         <p:spPr>
           <a:xfrm>
-            <a:off x="467544" y="4487792"/>
+            <a:off x="500031" y="4118460"/>
             <a:ext cx="6912768" cy="1815882"/>
           </a:xfrm>
           <a:prstGeom prst="rect">
@@ -6218,7 +6201,7 @@
         </p:nvSpPr>
         <p:spPr>
           <a:xfrm>
-            <a:off x="5004048" y="4281060"/>
+            <a:off x="5036535" y="3911728"/>
             <a:ext cx="3061097" cy="720080"/>
           </a:xfrm>
           <a:prstGeom prst="borderCallout1">
@@ -6294,6 +6277,35 @@
               <a:buChar char="-"/>
             </a:pPr>
             <a:endParaRPr lang="de-DE" dirty="0"/>
+          </a:p>
+        </p:txBody>
+      </p:sp>
+      <p:sp>
+        <p:nvSpPr>
+          <p:cNvPr id="4" name="TextBox 3"/>
+          <p:cNvSpPr txBox="1"/>
+          <p:nvPr/>
+        </p:nvSpPr>
+        <p:spPr>
+          <a:xfrm>
+            <a:off x="467544" y="6036734"/>
+            <a:ext cx="5620449" cy="246221"/>
+          </a:xfrm>
+          <a:prstGeom prst="rect">
+            <a:avLst/>
+          </a:prstGeom>
+          <a:noFill/>
+        </p:spPr>
+        <p:txBody>
+          <a:bodyPr wrap="none" rtlCol="0">
+            <a:spAutoFit/>
+          </a:bodyPr>
+          <a:lstStyle/>
+          <a:p>
+            <a:r>
+              <a:rPr lang="de-DE" sz="1000" dirty="0"/>
+              <a:t>http://spray.io/documentation/1.2-M8/spray-routing/advanced-topics/understanding-dsl-structure/</a:t>
+            </a:r>
           </a:p>
         </p:txBody>
       </p:sp>
@@ -6424,56 +6436,35 @@
                 <a:latin typeface="Consolas" pitchFamily="49" charset="0"/>
                 <a:cs typeface="Consolas" pitchFamily="49" charset="0"/>
               </a:rPr>
-              <a:t>   </a:t>
+              <a:t>   "</a:t>
+            </a:r>
+            <a:r>
+              <a:rPr lang="de-DE" sz="1600" dirty="0" err="1" smtClean="0">
+                <a:latin typeface="Consolas" pitchFamily="49" charset="0"/>
+                <a:cs typeface="Consolas" pitchFamily="49" charset="0"/>
+              </a:rPr>
+              <a:t>Current</a:t>
             </a:r>
             <a:r>
               <a:rPr lang="de-DE" sz="1600" dirty="0" smtClean="0">
                 <a:latin typeface="Consolas" pitchFamily="49" charset="0"/>
                 <a:cs typeface="Consolas" pitchFamily="49" charset="0"/>
               </a:rPr>
-              <a:t>"</a:t>
-            </a:r>
-            <a:r>
-              <a:rPr lang="de-DE" sz="1600" dirty="0" err="1" smtClean="0">
-                <a:latin typeface="Consolas" pitchFamily="49" charset="0"/>
-                <a:cs typeface="Consolas" pitchFamily="49" charset="0"/>
-              </a:rPr>
-              <a:t>Current</a:t>
+              <a:t> </a:t>
+            </a:r>
+            <a:r>
+              <a:rPr lang="de-DE" sz="1600" dirty="0">
+                <a:latin typeface="Consolas" pitchFamily="49" charset="0"/>
+                <a:cs typeface="Consolas" pitchFamily="49" charset="0"/>
+              </a:rPr>
+              <a:t>time: "</a:t>
             </a:r>
             <a:r>
               <a:rPr lang="de-DE" sz="1600" dirty="0" smtClean="0">
                 <a:latin typeface="Consolas" pitchFamily="49" charset="0"/>
                 <a:cs typeface="Consolas" pitchFamily="49" charset="0"/>
               </a:rPr>
-              <a:t> </a:t>
-            </a:r>
-            <a:r>
-              <a:rPr lang="de-DE" sz="1600" dirty="0">
-                <a:latin typeface="Consolas" pitchFamily="49" charset="0"/>
-                <a:cs typeface="Consolas" pitchFamily="49" charset="0"/>
-              </a:rPr>
-              <a:t>time: </a:t>
-            </a:r>
-            <a:r>
-              <a:rPr lang="de-DE" sz="1600" dirty="0">
-                <a:latin typeface="Consolas" pitchFamily="49" charset="0"/>
-                <a:cs typeface="Consolas" pitchFamily="49" charset="0"/>
-              </a:rPr>
-              <a:t>"</a:t>
-            </a:r>
-            <a:r>
-              <a:rPr lang="de-DE" sz="1600" dirty="0" smtClean="0">
-                <a:latin typeface="Consolas" pitchFamily="49" charset="0"/>
-                <a:cs typeface="Consolas" pitchFamily="49" charset="0"/>
-              </a:rPr>
-              <a:t> </a:t>
-            </a:r>
-            <a:r>
-              <a:rPr lang="de-DE" sz="1600" dirty="0" smtClean="0">
-                <a:latin typeface="Consolas" pitchFamily="49" charset="0"/>
-                <a:cs typeface="Consolas" pitchFamily="49" charset="0"/>
-              </a:rPr>
-              <a:t>+ time</a:t>
+              <a:t> + time</a:t>
             </a:r>
           </a:p>
           <a:p>
@@ -6638,14 +6629,7 @@
                 <a:latin typeface="Consolas" pitchFamily="49" charset="0"/>
                 <a:cs typeface="Consolas" pitchFamily="49" charset="0"/>
               </a:rPr>
-              <a:t>" + time</a:t>
-            </a:r>
-            <a:r>
-              <a:rPr lang="de-DE" sz="1600" dirty="0" smtClean="0">
-                <a:latin typeface="Consolas" pitchFamily="49" charset="0"/>
-                <a:cs typeface="Consolas" pitchFamily="49" charset="0"/>
-              </a:rPr>
-              <a:t>)</a:t>
+              <a:t>" + time)</a:t>
             </a:r>
           </a:p>
           <a:p>

--- a/Praesentationen/Futures und Routing.pptx
+++ b/Praesentationen/Futures und Routing.pptx
@@ -5,23 +5,25 @@
     <p:sldMasterId id="2147483648" r:id="rId1"/>
   </p:sldMasterIdLst>
   <p:notesMasterIdLst>
-    <p:notesMasterId r:id="rId10"/>
+    <p:notesMasterId r:id="rId12"/>
   </p:notesMasterIdLst>
   <p:handoutMasterIdLst>
-    <p:handoutMasterId r:id="rId11"/>
+    <p:handoutMasterId r:id="rId13"/>
   </p:handoutMasterIdLst>
   <p:sldIdLst>
     <p:sldId id="256" r:id="rId2"/>
     <p:sldId id="257" r:id="rId3"/>
     <p:sldId id="258" r:id="rId4"/>
-    <p:sldId id="259" r:id="rId5"/>
-    <p:sldId id="260" r:id="rId6"/>
-    <p:sldId id="261" r:id="rId7"/>
-    <p:sldId id="262" r:id="rId8"/>
-    <p:sldId id="263" r:id="rId9"/>
+    <p:sldId id="264" r:id="rId5"/>
+    <p:sldId id="265" r:id="rId6"/>
+    <p:sldId id="259" r:id="rId7"/>
+    <p:sldId id="260" r:id="rId8"/>
+    <p:sldId id="261" r:id="rId9"/>
+    <p:sldId id="262" r:id="rId10"/>
+    <p:sldId id="263" r:id="rId11"/>
   </p:sldIdLst>
   <p:sldSz cx="9144000" cy="6858000" type="screen4x3"/>
-  <p:notesSz cx="6858000" cy="9144000"/>
+  <p:notesSz cx="7099300" cy="10234613"/>
   <p:defaultTextStyle>
     <a:defPPr>
       <a:defRPr lang="de-DE"/>
@@ -147,6 +149,36 @@
       </a:defRPr>
     </a:lvl9pPr>
   </p:defaultTextStyle>
+  <p:extLst>
+    <p:ext uri="{EFAFB233-063F-42B5-8137-9DF3F51BA10A}">
+      <p15:sldGuideLst xmlns:p15="http://schemas.microsoft.com/office/powerpoint/2012/main">
+        <p15:guide id="1" orient="horz" pos="2160">
+          <p15:clr>
+            <a:srgbClr val="A4A3A4"/>
+          </p15:clr>
+        </p15:guide>
+        <p15:guide id="2" pos="2880">
+          <p15:clr>
+            <a:srgbClr val="A4A3A4"/>
+          </p15:clr>
+        </p15:guide>
+      </p15:sldGuideLst>
+    </p:ext>
+    <p:ext uri="{2D200454-40CA-4A62-9FC3-DE9A4176ACB9}">
+      <p15:notesGuideLst xmlns:p15="http://schemas.microsoft.com/office/powerpoint/2012/main">
+        <p15:guide id="1" orient="horz" pos="3224" userDrawn="1">
+          <p15:clr>
+            <a:srgbClr val="A4A3A4"/>
+          </p15:clr>
+        </p15:guide>
+        <p15:guide id="2" pos="2236" userDrawn="1">
+          <p15:clr>
+            <a:srgbClr val="A4A3A4"/>
+          </p15:clr>
+        </p15:guide>
+      </p15:notesGuideLst>
+    </p:ext>
+  </p:extLst>
 </p:presentation>
 </file>
 
@@ -187,8 +219,8 @@
         </p:nvSpPr>
         <p:spPr bwMode="auto">
           <a:xfrm>
-            <a:off x="190500" y="387350"/>
-            <a:ext cx="5403850" cy="390525"/>
+            <a:off x="197203" y="433550"/>
+            <a:ext cx="5593985" cy="437103"/>
           </a:xfrm>
           <a:prstGeom prst="rect">
             <a:avLst/>
@@ -203,7 +235,7 @@
           <a:effectLst/>
         </p:spPr>
         <p:txBody>
-          <a:bodyPr vert="horz" wrap="square" lIns="108000" tIns="0" rIns="0" bIns="0" numCol="1" anchor="ctr" anchorCtr="0" compatLnSpc="1">
+          <a:bodyPr vert="horz" wrap="square" lIns="116986" tIns="0" rIns="0" bIns="0" numCol="1" anchor="ctr" anchorCtr="0" compatLnSpc="1">
             <a:prstTxWarp prst="textNoShape">
               <a:avLst/>
             </a:prstTxWarp>
@@ -211,9 +243,9 @@
           <a:lstStyle>
             <a:lvl1pPr>
               <a:lnSpc>
-                <a:spcPts val="1300"/>
+                <a:spcPts val="1408"/>
               </a:lnSpc>
-              <a:defRPr sz="1000" b="1">
+              <a:defRPr sz="1100" b="1">
                 <a:latin typeface="Stafford" pitchFamily="2" charset="0"/>
               </a:defRPr>
             </a:lvl1pPr>
@@ -235,8 +267,8 @@
         </p:nvSpPr>
         <p:spPr bwMode="auto">
           <a:xfrm>
-            <a:off x="190500" y="8567738"/>
-            <a:ext cx="1330325" cy="260350"/>
+            <a:off x="197203" y="9589620"/>
+            <a:ext cx="1377133" cy="291402"/>
           </a:xfrm>
           <a:prstGeom prst="rect">
             <a:avLst/>
@@ -258,7 +290,7 @@
           </a:bodyPr>
           <a:lstStyle>
             <a:lvl1pPr>
-              <a:defRPr sz="1000" b="1">
+              <a:defRPr sz="1100" b="1">
                 <a:latin typeface="Stafford" pitchFamily="2" charset="0"/>
               </a:defRPr>
             </a:lvl1pPr>
@@ -267,7 +299,7 @@
             <a:fld id="{A32DC80D-291A-4ABB-A78B-0417274A267C}" type="datetime4">
               <a:rPr lang="de-DE"/>
               <a:pPr/>
-              <a:t>17. August 2013</a:t>
+              <a:t>4. Dezember 2014</a:t>
             </a:fld>
             <a:endParaRPr lang="de-DE"/>
           </a:p>
@@ -285,8 +317,8 @@
         </p:nvSpPr>
         <p:spPr bwMode="auto">
           <a:xfrm>
-            <a:off x="1520825" y="8567738"/>
-            <a:ext cx="4464050" cy="260350"/>
+            <a:off x="1574336" y="9589620"/>
+            <a:ext cx="4621118" cy="291402"/>
           </a:xfrm>
           <a:prstGeom prst="rect">
             <a:avLst/>
@@ -308,7 +340,7 @@
           </a:bodyPr>
           <a:lstStyle>
             <a:lvl1pPr>
-              <a:defRPr sz="1000" b="1">
+              <a:defRPr sz="1100" b="1">
                 <a:latin typeface="Stafford" pitchFamily="2" charset="0"/>
               </a:defRPr>
             </a:lvl1pPr>
@@ -333,8 +365,8 @@
         </p:nvSpPr>
         <p:spPr bwMode="auto">
           <a:xfrm>
-            <a:off x="5999163" y="8567738"/>
-            <a:ext cx="669925" cy="260350"/>
+            <a:off x="6210245" y="9589620"/>
+            <a:ext cx="693496" cy="291402"/>
           </a:xfrm>
           <a:prstGeom prst="rect">
             <a:avLst/>
@@ -356,7 +388,7 @@
           </a:bodyPr>
           <a:lstStyle>
             <a:lvl1pPr algn="r">
-              <a:defRPr sz="1000" b="1">
+              <a:defRPr sz="1100" b="1">
                 <a:latin typeface="Stafford" pitchFamily="2" charset="0"/>
               </a:defRPr>
             </a:lvl1pPr>
@@ -369,7 +401,7 @@
             <a:fld id="{C7CC2173-B0D1-45F1-9D54-E33B7353DA19}" type="slidenum">
               <a:rPr lang="de-DE"/>
               <a:pPr/>
-              <a:t>‹#›</a:t>
+              <a:t>‹Nr.›</a:t>
             </a:fld>
             <a:endParaRPr lang="de-DE"/>
           </a:p>
@@ -392,8 +424,8 @@
         </p:blipFill>
         <p:spPr bwMode="auto">
           <a:xfrm>
-            <a:off x="5740400" y="360363"/>
-            <a:ext cx="928688" cy="417512"/>
+            <a:off x="5942377" y="403344"/>
+            <a:ext cx="961364" cy="467309"/>
           </a:xfrm>
           <a:prstGeom prst="rect">
             <a:avLst/>
@@ -411,8 +443,8 @@
         </p:nvSpPr>
         <p:spPr bwMode="auto">
           <a:xfrm>
-            <a:off x="190500" y="179388"/>
-            <a:ext cx="6478588" cy="144462"/>
+            <a:off x="197203" y="200784"/>
+            <a:ext cx="6706538" cy="161692"/>
           </a:xfrm>
           <a:prstGeom prst="rect">
             <a:avLst/>
@@ -429,7 +461,7 @@
           <a:effectLst/>
         </p:spPr>
         <p:txBody>
-          <a:bodyPr wrap="none" anchor="ctr"/>
+          <a:bodyPr wrap="none" lIns="99048" tIns="49524" rIns="99048" bIns="49524" anchor="ctr"/>
           <a:lstStyle/>
           <a:p>
             <a:endParaRPr lang="de-DE"/>
@@ -446,8 +478,8 @@
         </p:nvSpPr>
         <p:spPr bwMode="auto">
           <a:xfrm>
-            <a:off x="190500" y="360363"/>
-            <a:ext cx="6478588" cy="0"/>
+            <a:off x="197203" y="403344"/>
+            <a:ext cx="6706538" cy="0"/>
           </a:xfrm>
           <a:prstGeom prst="line">
             <a:avLst/>
@@ -464,7 +496,7 @@
           <a:effectLst/>
         </p:spPr>
         <p:txBody>
-          <a:bodyPr/>
+          <a:bodyPr lIns="99048" tIns="49524" rIns="99048" bIns="49524"/>
           <a:lstStyle/>
           <a:p>
             <a:endParaRPr lang="de-DE"/>
@@ -481,8 +513,8 @@
         </p:nvSpPr>
         <p:spPr bwMode="auto">
           <a:xfrm>
-            <a:off x="190500" y="8496300"/>
-            <a:ext cx="6478588" cy="0"/>
+            <a:off x="197203" y="9509661"/>
+            <a:ext cx="6706538" cy="0"/>
           </a:xfrm>
           <a:prstGeom prst="line">
             <a:avLst/>
@@ -499,7 +531,7 @@
           <a:effectLst/>
         </p:spPr>
         <p:txBody>
-          <a:bodyPr/>
+          <a:bodyPr lIns="99048" tIns="49524" rIns="99048" bIns="49524"/>
           <a:lstStyle/>
           <a:p>
             <a:endParaRPr lang="de-DE"/>
@@ -516,8 +548,8 @@
         </p:nvSpPr>
         <p:spPr bwMode="auto">
           <a:xfrm>
-            <a:off x="188913" y="777875"/>
-            <a:ext cx="6478587" cy="0"/>
+            <a:off x="195561" y="870653"/>
+            <a:ext cx="6706537" cy="0"/>
           </a:xfrm>
           <a:prstGeom prst="line">
             <a:avLst/>
@@ -534,7 +566,7 @@
           <a:effectLst/>
         </p:spPr>
         <p:txBody>
-          <a:bodyPr/>
+          <a:bodyPr lIns="99048" tIns="49524" rIns="99048" bIns="49524"/>
           <a:lstStyle/>
           <a:p>
             <a:endParaRPr lang="de-DE"/>
@@ -594,8 +626,8 @@
         </p:blipFill>
         <p:spPr bwMode="auto">
           <a:xfrm>
-            <a:off x="5732463" y="360363"/>
-            <a:ext cx="935037" cy="420687"/>
+            <a:off x="5934162" y="403344"/>
+            <a:ext cx="967936" cy="470863"/>
           </a:xfrm>
           <a:prstGeom prst="rect">
             <a:avLst/>
@@ -615,8 +647,8 @@
         </p:nvSpPr>
         <p:spPr bwMode="auto">
           <a:xfrm>
-            <a:off x="188913" y="8685213"/>
-            <a:ext cx="1619250" cy="457200"/>
+            <a:off x="195560" y="9721106"/>
+            <a:ext cx="1676224" cy="511731"/>
           </a:xfrm>
           <a:prstGeom prst="rect">
             <a:avLst/>
@@ -631,7 +663,7 @@
           <a:effectLst/>
         </p:spPr>
         <p:txBody>
-          <a:bodyPr vert="horz" wrap="square" lIns="91440" tIns="45720" rIns="91440" bIns="45720" numCol="1" anchor="ctr" anchorCtr="0" compatLnSpc="1">
+          <a:bodyPr vert="horz" wrap="square" lIns="99048" tIns="49524" rIns="99048" bIns="49524" numCol="1" anchor="ctr" anchorCtr="0" compatLnSpc="1">
             <a:prstTxWarp prst="textNoShape">
               <a:avLst/>
             </a:prstTxWarp>
@@ -639,9 +671,9 @@
           <a:lstStyle>
             <a:lvl1pPr>
               <a:lnSpc>
-                <a:spcPts val="1300"/>
+                <a:spcPts val="1408"/>
               </a:lnSpc>
-              <a:defRPr sz="1000">
+              <a:defRPr sz="1100">
                 <a:latin typeface="Stafford" pitchFamily="2" charset="0"/>
               </a:defRPr>
             </a:lvl1pPr>
@@ -650,7 +682,7 @@
             <a:fld id="{065B079B-E513-489A-8A1B-D7C78493EA86}" type="datetime4">
               <a:rPr lang="de-DE"/>
               <a:pPr/>
-              <a:t>17. August 2013</a:t>
+              <a:t>4. Dezember 2014</a:t>
             </a:fld>
             <a:endParaRPr lang="de-DE"/>
           </a:p>
@@ -668,8 +700,8 @@
         </p:nvSpPr>
         <p:spPr bwMode="auto">
           <a:xfrm>
-            <a:off x="1322388" y="923925"/>
-            <a:ext cx="4194175" cy="3071813"/>
+            <a:off x="1247775" y="1033463"/>
+            <a:ext cx="4583113" cy="3438525"/>
           </a:xfrm>
           <a:prstGeom prst="rect">
             <a:avLst/>
@@ -698,8 +730,8 @@
         </p:nvSpPr>
         <p:spPr bwMode="auto">
           <a:xfrm>
-            <a:off x="190500" y="4284663"/>
-            <a:ext cx="6477000" cy="4283075"/>
+            <a:off x="197203" y="4795699"/>
+            <a:ext cx="6704894" cy="4793921"/>
           </a:xfrm>
           <a:prstGeom prst="rect">
             <a:avLst/>
@@ -714,7 +746,7 @@
           <a:effectLst/>
         </p:spPr>
         <p:txBody>
-          <a:bodyPr vert="horz" wrap="square" lIns="91440" tIns="45720" rIns="91440" bIns="45720" numCol="1" anchor="t" anchorCtr="0" compatLnSpc="1">
+          <a:bodyPr vert="horz" wrap="square" lIns="99048" tIns="49524" rIns="99048" bIns="49524" numCol="1" anchor="t" anchorCtr="0" compatLnSpc="1">
             <a:prstTxWarp prst="textNoShape">
               <a:avLst/>
             </a:prstTxWarp>
@@ -769,8 +801,8 @@
         </p:nvSpPr>
         <p:spPr bwMode="auto">
           <a:xfrm>
-            <a:off x="1808163" y="8685213"/>
-            <a:ext cx="4105275" cy="457200"/>
+            <a:off x="1871784" y="9721106"/>
+            <a:ext cx="4249720" cy="511731"/>
           </a:xfrm>
           <a:prstGeom prst="rect">
             <a:avLst/>
@@ -785,7 +817,7 @@
           <a:effectLst/>
         </p:spPr>
         <p:txBody>
-          <a:bodyPr vert="horz" wrap="square" lIns="91440" tIns="45720" rIns="91440" bIns="45720" numCol="1" anchor="ctr" anchorCtr="0" compatLnSpc="1">
+          <a:bodyPr vert="horz" wrap="square" lIns="99048" tIns="49524" rIns="99048" bIns="49524" numCol="1" anchor="ctr" anchorCtr="0" compatLnSpc="1">
             <a:prstTxWarp prst="textNoShape">
               <a:avLst/>
             </a:prstTxWarp>
@@ -793,9 +825,9 @@
           <a:lstStyle>
             <a:lvl1pPr>
               <a:lnSpc>
-                <a:spcPts val="1300"/>
+                <a:spcPts val="1408"/>
               </a:lnSpc>
-              <a:defRPr sz="1000">
+              <a:defRPr sz="1100">
                 <a:latin typeface="Stafford" pitchFamily="2" charset="0"/>
               </a:defRPr>
             </a:lvl1pPr>
@@ -820,8 +852,8 @@
         </p:nvSpPr>
         <p:spPr bwMode="auto">
           <a:xfrm>
-            <a:off x="5913438" y="8685213"/>
-            <a:ext cx="942975" cy="457200"/>
+            <a:off x="6121504" y="9721106"/>
+            <a:ext cx="976154" cy="511731"/>
           </a:xfrm>
           <a:prstGeom prst="rect">
             <a:avLst/>
@@ -836,7 +868,7 @@
           <a:effectLst/>
         </p:spPr>
         <p:txBody>
-          <a:bodyPr vert="horz" wrap="square" lIns="91440" tIns="45720" rIns="91440" bIns="45720" numCol="1" anchor="ctr" anchorCtr="0" compatLnSpc="1">
+          <a:bodyPr vert="horz" wrap="square" lIns="99048" tIns="49524" rIns="99048" bIns="49524" numCol="1" anchor="ctr" anchorCtr="0" compatLnSpc="1">
             <a:prstTxWarp prst="textNoShape">
               <a:avLst/>
             </a:prstTxWarp>
@@ -844,9 +876,9 @@
           <a:lstStyle>
             <a:lvl1pPr algn="r">
               <a:lnSpc>
-                <a:spcPts val="1300"/>
+                <a:spcPts val="1408"/>
               </a:lnSpc>
-              <a:defRPr sz="1000">
+              <a:defRPr sz="1100">
                 <a:latin typeface="Stafford" pitchFamily="2" charset="0"/>
               </a:defRPr>
             </a:lvl1pPr>
@@ -859,7 +891,7 @@
             <a:fld id="{C36AA9A4-5D0B-4134-89A6-D8B9DAA4F25C}" type="slidenum">
               <a:rPr lang="de-DE"/>
               <a:pPr/>
-              <a:t>‹#›</a:t>
+              <a:t>‹Nr.›</a:t>
             </a:fld>
             <a:endParaRPr lang="de-DE"/>
           </a:p>
@@ -875,8 +907,8 @@
         </p:nvSpPr>
         <p:spPr bwMode="auto">
           <a:xfrm>
-            <a:off x="190500" y="387350"/>
-            <a:ext cx="5403850" cy="393700"/>
+            <a:off x="197203" y="433550"/>
+            <a:ext cx="5593985" cy="440657"/>
           </a:xfrm>
           <a:prstGeom prst="rect">
             <a:avLst/>
@@ -891,15 +923,15 @@
           <a:effectLst/>
         </p:spPr>
         <p:txBody>
-          <a:bodyPr lIns="108000" tIns="0" rIns="0" bIns="0" anchor="ctr"/>
+          <a:bodyPr lIns="116986" tIns="0" rIns="0" bIns="0" anchor="ctr"/>
           <a:lstStyle/>
           <a:p>
             <a:pPr>
               <a:lnSpc>
-                <a:spcPts val="1300"/>
+                <a:spcPts val="1408"/>
               </a:lnSpc>
             </a:pPr>
-            <a:endParaRPr lang="de-DE" sz="1000" b="1">
+            <a:endParaRPr lang="de-DE" sz="1100" b="1">
               <a:latin typeface="Stafford" pitchFamily="2" charset="0"/>
             </a:endParaRPr>
           </a:p>
@@ -915,8 +947,8 @@
         </p:nvSpPr>
         <p:spPr bwMode="auto">
           <a:xfrm>
-            <a:off x="190500" y="179388"/>
-            <a:ext cx="6478588" cy="144462"/>
+            <a:off x="197203" y="200784"/>
+            <a:ext cx="6706538" cy="161692"/>
           </a:xfrm>
           <a:prstGeom prst="rect">
             <a:avLst/>
@@ -933,7 +965,7 @@
           <a:effectLst/>
         </p:spPr>
         <p:txBody>
-          <a:bodyPr wrap="none" anchor="ctr"/>
+          <a:bodyPr wrap="none" lIns="99048" tIns="49524" rIns="99048" bIns="49524" anchor="ctr"/>
           <a:lstStyle/>
           <a:p>
             <a:endParaRPr lang="de-DE"/>
@@ -950,8 +982,8 @@
         </p:nvSpPr>
         <p:spPr bwMode="auto">
           <a:xfrm>
-            <a:off x="190500" y="360363"/>
-            <a:ext cx="6478588" cy="0"/>
+            <a:off x="197203" y="403344"/>
+            <a:ext cx="6706538" cy="0"/>
           </a:xfrm>
           <a:prstGeom prst="line">
             <a:avLst/>
@@ -968,7 +1000,7 @@
           <a:effectLst/>
         </p:spPr>
         <p:txBody>
-          <a:bodyPr/>
+          <a:bodyPr lIns="99048" tIns="49524" rIns="99048" bIns="49524"/>
           <a:lstStyle/>
           <a:p>
             <a:endParaRPr lang="de-DE"/>
@@ -985,8 +1017,8 @@
         </p:nvSpPr>
         <p:spPr bwMode="auto">
           <a:xfrm>
-            <a:off x="190500" y="781050"/>
-            <a:ext cx="6478588" cy="0"/>
+            <a:off x="197203" y="874207"/>
+            <a:ext cx="6706538" cy="0"/>
           </a:xfrm>
           <a:prstGeom prst="line">
             <a:avLst/>
@@ -1003,7 +1035,7 @@
           <a:effectLst/>
         </p:spPr>
         <p:txBody>
-          <a:bodyPr/>
+          <a:bodyPr lIns="99048" tIns="49524" rIns="99048" bIns="49524"/>
           <a:lstStyle/>
           <a:p>
             <a:endParaRPr lang="de-DE"/>
@@ -1020,8 +1052,8 @@
         </p:nvSpPr>
         <p:spPr bwMode="auto">
           <a:xfrm>
-            <a:off x="190500" y="8685213"/>
-            <a:ext cx="6478588" cy="0"/>
+            <a:off x="197203" y="9721106"/>
+            <a:ext cx="6706538" cy="0"/>
           </a:xfrm>
           <a:prstGeom prst="line">
             <a:avLst/>
@@ -1038,7 +1070,7 @@
           <a:effectLst/>
         </p:spPr>
         <p:txBody>
-          <a:bodyPr/>
+          <a:bodyPr lIns="99048" tIns="49524" rIns="99048" bIns="49524"/>
           <a:lstStyle/>
           <a:p>
             <a:endParaRPr lang="de-DE"/>
@@ -1055,8 +1087,8 @@
         </p:nvSpPr>
         <p:spPr bwMode="auto">
           <a:xfrm>
-            <a:off x="188913" y="4103688"/>
-            <a:ext cx="6478587" cy="0"/>
+            <a:off x="195561" y="4593139"/>
+            <a:ext cx="6706537" cy="0"/>
           </a:xfrm>
           <a:prstGeom prst="line">
             <a:avLst/>
@@ -1073,7 +1105,7 @@
           <a:effectLst/>
         </p:spPr>
         <p:txBody>
-          <a:bodyPr/>
+          <a:bodyPr lIns="99048" tIns="49524" rIns="99048" bIns="49524"/>
           <a:lstStyle/>
           <a:p>
             <a:endParaRPr lang="de-DE"/>
@@ -1583,7 +1615,7 @@
                 <a:tabLst/>
                 <a:defRPr/>
               </a:pPr>
-              <a:t>17.08.2013</a:t>
+              <a:t>04.12.2014</a:t>
             </a:fld>
             <a:r>
               <a:rPr kumimoji="0" lang="de-DE" sz="1000" b="0" i="0" u="none" strike="noStrike" kern="1200" cap="none" spc="0" normalizeH="0" baseline="0" noProof="0" dirty="0" smtClean="0">
@@ -1634,7 +1666,7 @@
                 <a:tabLst/>
                 <a:defRPr/>
               </a:pPr>
-              <a:t>‹#›</a:t>
+              <a:t>‹Nr.›</a:t>
             </a:fld>
             <a:endParaRPr kumimoji="0" lang="de-DE" sz="1000" b="0" i="0" u="none" strike="noStrike" kern="1200" cap="none" spc="0" normalizeH="0" baseline="0" noProof="0" dirty="0" smtClean="0">
               <a:ln>
@@ -3032,7 +3064,7 @@
                 <a:tabLst/>
                 <a:defRPr/>
               </a:pPr>
-              <a:t>17.08.2013</a:t>
+              <a:t>04.12.2014</a:t>
             </a:fld>
             <a:r>
               <a:rPr kumimoji="0" lang="de-DE" sz="1000" b="0" i="0" u="none" strike="noStrike" kern="1200" cap="none" spc="0" normalizeH="0" baseline="0" noProof="0" dirty="0" smtClean="0">
@@ -3083,7 +3115,7 @@
                 <a:tabLst/>
                 <a:defRPr/>
               </a:pPr>
-              <a:t>‹#›</a:t>
+              <a:t>‹Nr.›</a:t>
             </a:fld>
             <a:endParaRPr kumimoji="0" lang="de-DE" sz="1000" b="0" i="0" u="none" strike="noStrike" kern="1200" cap="none" spc="0" normalizeH="0" baseline="0" noProof="0" dirty="0" smtClean="0">
               <a:ln>
@@ -3617,8 +3649,8 @@
         </p:nvSpPr>
         <p:spPr>
           <a:xfrm>
-            <a:off x="5165881" y="5974541"/>
-            <a:ext cx="3672408" cy="338554"/>
+            <a:off x="3491880" y="5974541"/>
+            <a:ext cx="5346409" cy="338554"/>
           </a:xfrm>
           <a:prstGeom prst="rect">
             <a:avLst/>
@@ -3638,7 +3670,11 @@
             </a:r>
             <a:r>
               <a:rPr lang="de-DE" sz="1600" dirty="0" smtClean="0"/>
-              <a:t>Jahn, Frederick Schäfer</a:t>
+              <a:t>Jahn, Frederick </a:t>
+            </a:r>
+            <a:r>
+              <a:rPr lang="de-DE" sz="1600" dirty="0" smtClean="0"/>
+              <a:t>Schäfer, André Wolski</a:t>
             </a:r>
             <a:endParaRPr lang="de-DE" sz="1600" dirty="0"/>
           </a:p>
@@ -3656,6 +3692,452 @@
       </p:par>
     </p:tnLst>
   </p:timing>
+</p:sld>
+</file>
+
+<file path=ppt/slides/slide10.xml><?xml version="1.0" encoding="utf-8"?>
+<p:sld xmlns:a="http://schemas.openxmlformats.org/drawingml/2006/main" xmlns:r="http://schemas.openxmlformats.org/officeDocument/2006/relationships" xmlns:p="http://schemas.openxmlformats.org/presentationml/2006/main">
+  <p:cSld>
+    <p:spTree>
+      <p:nvGrpSpPr>
+        <p:cNvPr id="1" name=""/>
+        <p:cNvGrpSpPr/>
+        <p:nvPr/>
+      </p:nvGrpSpPr>
+      <p:grpSpPr>
+        <a:xfrm>
+          <a:off x="0" y="0"/>
+          <a:ext cx="0" cy="0"/>
+          <a:chOff x="0" y="0"/>
+          <a:chExt cx="0" cy="0"/>
+        </a:xfrm>
+      </p:grpSpPr>
+      <p:sp>
+        <p:nvSpPr>
+          <p:cNvPr id="2" name="Title 1"/>
+          <p:cNvSpPr>
+            <a:spLocks noGrp="1"/>
+          </p:cNvSpPr>
+          <p:nvPr>
+            <p:ph type="title"/>
+          </p:nvPr>
+        </p:nvSpPr>
+        <p:spPr/>
+        <p:txBody>
+          <a:bodyPr/>
+          <a:lstStyle/>
+          <a:p>
+            <a:r>
+              <a:rPr lang="de-DE" dirty="0"/>
+              <a:t>Aufrufe innerhalb des Routingpfades</a:t>
+            </a:r>
+          </a:p>
+        </p:txBody>
+      </p:sp>
+      <p:sp>
+        <p:nvSpPr>
+          <p:cNvPr id="4" name="TextBox 3"/>
+          <p:cNvSpPr txBox="1"/>
+          <p:nvPr/>
+        </p:nvSpPr>
+        <p:spPr>
+          <a:xfrm>
+            <a:off x="358775" y="1954532"/>
+            <a:ext cx="7165553" cy="1569660"/>
+          </a:xfrm>
+          <a:prstGeom prst="rect">
+            <a:avLst/>
+          </a:prstGeom>
+          <a:noFill/>
+        </p:spPr>
+        <p:txBody>
+          <a:bodyPr wrap="square" rtlCol="0">
+            <a:spAutoFit/>
+          </a:bodyPr>
+          <a:lstStyle/>
+          <a:p>
+            <a:r>
+              <a:rPr lang="de-DE" sz="1600" dirty="0">
+                <a:latin typeface="Consolas" pitchFamily="49" charset="0"/>
+                <a:cs typeface="Consolas" pitchFamily="49" charset="0"/>
+              </a:rPr>
+              <a:t>get {</a:t>
+            </a:r>
+          </a:p>
+          <a:p>
+            <a:r>
+              <a:rPr lang="de-DE" sz="1600" dirty="0" smtClean="0">
+                <a:latin typeface="Consolas" pitchFamily="49" charset="0"/>
+                <a:cs typeface="Consolas" pitchFamily="49" charset="0"/>
+              </a:rPr>
+              <a:t>  complete {</a:t>
+            </a:r>
+          </a:p>
+          <a:p>
+            <a:r>
+              <a:rPr lang="de-DE" sz="1600" dirty="0" smtClean="0">
+                <a:latin typeface="Consolas" pitchFamily="49" charset="0"/>
+                <a:cs typeface="Consolas" pitchFamily="49" charset="0"/>
+              </a:rPr>
+              <a:t>    val </a:t>
+            </a:r>
+            <a:r>
+              <a:rPr lang="de-DE" sz="1600" dirty="0">
+                <a:latin typeface="Consolas" pitchFamily="49" charset="0"/>
+                <a:cs typeface="Consolas" pitchFamily="49" charset="0"/>
+              </a:rPr>
+              <a:t>time = currentTime</a:t>
+            </a:r>
+            <a:r>
+              <a:rPr lang="de-DE" sz="1600" dirty="0" smtClean="0">
+                <a:latin typeface="Consolas" pitchFamily="49" charset="0"/>
+                <a:cs typeface="Consolas" pitchFamily="49" charset="0"/>
+              </a:rPr>
+              <a:t>()</a:t>
+            </a:r>
+          </a:p>
+          <a:p>
+            <a:r>
+              <a:rPr lang="de-DE" sz="1600" dirty="0">
+                <a:latin typeface="Consolas" pitchFamily="49" charset="0"/>
+                <a:cs typeface="Consolas" pitchFamily="49" charset="0"/>
+              </a:rPr>
+              <a:t> </a:t>
+            </a:r>
+            <a:r>
+              <a:rPr lang="de-DE" sz="1600" dirty="0" smtClean="0">
+                <a:latin typeface="Consolas" pitchFamily="49" charset="0"/>
+                <a:cs typeface="Consolas" pitchFamily="49" charset="0"/>
+              </a:rPr>
+              <a:t>   "</a:t>
+            </a:r>
+            <a:r>
+              <a:rPr lang="de-DE" sz="1600" dirty="0" err="1" smtClean="0">
+                <a:latin typeface="Consolas" pitchFamily="49" charset="0"/>
+                <a:cs typeface="Consolas" pitchFamily="49" charset="0"/>
+              </a:rPr>
+              <a:t>Current</a:t>
+            </a:r>
+            <a:r>
+              <a:rPr lang="de-DE" sz="1600" dirty="0" smtClean="0">
+                <a:latin typeface="Consolas" pitchFamily="49" charset="0"/>
+                <a:cs typeface="Consolas" pitchFamily="49" charset="0"/>
+              </a:rPr>
+              <a:t> </a:t>
+            </a:r>
+            <a:r>
+              <a:rPr lang="de-DE" sz="1600" dirty="0">
+                <a:latin typeface="Consolas" pitchFamily="49" charset="0"/>
+                <a:cs typeface="Consolas" pitchFamily="49" charset="0"/>
+              </a:rPr>
+              <a:t>time: "</a:t>
+            </a:r>
+            <a:r>
+              <a:rPr lang="de-DE" sz="1600" dirty="0" smtClean="0">
+                <a:latin typeface="Consolas" pitchFamily="49" charset="0"/>
+                <a:cs typeface="Consolas" pitchFamily="49" charset="0"/>
+              </a:rPr>
+              <a:t> + time</a:t>
+            </a:r>
+          </a:p>
+          <a:p>
+            <a:r>
+              <a:rPr lang="de-DE" sz="1600" dirty="0">
+                <a:latin typeface="Consolas" pitchFamily="49" charset="0"/>
+                <a:cs typeface="Consolas" pitchFamily="49" charset="0"/>
+              </a:rPr>
+              <a:t> </a:t>
+            </a:r>
+            <a:r>
+              <a:rPr lang="de-DE" sz="1600" dirty="0" smtClean="0">
+                <a:latin typeface="Consolas" pitchFamily="49" charset="0"/>
+                <a:cs typeface="Consolas" pitchFamily="49" charset="0"/>
+              </a:rPr>
+              <a:t> }</a:t>
+            </a:r>
+          </a:p>
+          <a:p>
+            <a:r>
+              <a:rPr lang="de-DE" sz="1600" dirty="0" smtClean="0">
+                <a:latin typeface="Consolas" pitchFamily="49" charset="0"/>
+                <a:cs typeface="Consolas" pitchFamily="49" charset="0"/>
+              </a:rPr>
+              <a:t>}</a:t>
+            </a:r>
+            <a:endParaRPr lang="de-DE" sz="1600" dirty="0">
+              <a:latin typeface="Consolas" pitchFamily="49" charset="0"/>
+              <a:cs typeface="Consolas" pitchFamily="49" charset="0"/>
+            </a:endParaRPr>
+          </a:p>
+        </p:txBody>
+      </p:sp>
+      <p:sp>
+        <p:nvSpPr>
+          <p:cNvPr id="5" name="TextBox 4"/>
+          <p:cNvSpPr txBox="1"/>
+          <p:nvPr/>
+        </p:nvSpPr>
+        <p:spPr>
+          <a:xfrm>
+            <a:off x="358775" y="4392236"/>
+            <a:ext cx="7165553" cy="1569660"/>
+          </a:xfrm>
+          <a:prstGeom prst="rect">
+            <a:avLst/>
+          </a:prstGeom>
+          <a:noFill/>
+        </p:spPr>
+        <p:txBody>
+          <a:bodyPr wrap="square" rtlCol="0">
+            <a:spAutoFit/>
+          </a:bodyPr>
+          <a:lstStyle/>
+          <a:p>
+            <a:r>
+              <a:rPr lang="de-DE" sz="1600" dirty="0">
+                <a:latin typeface="Consolas" pitchFamily="49" charset="0"/>
+                <a:cs typeface="Consolas" pitchFamily="49" charset="0"/>
+              </a:rPr>
+              <a:t>get </a:t>
+            </a:r>
+            <a:r>
+              <a:rPr lang="de-DE" sz="1600" dirty="0" smtClean="0">
+                <a:latin typeface="Consolas" pitchFamily="49" charset="0"/>
+                <a:cs typeface="Consolas" pitchFamily="49" charset="0"/>
+              </a:rPr>
+              <a:t>{</a:t>
+            </a:r>
+          </a:p>
+          <a:p>
+            <a:r>
+              <a:rPr lang="de-DE" sz="1600" dirty="0">
+                <a:latin typeface="Consolas" pitchFamily="49" charset="0"/>
+                <a:cs typeface="Consolas" pitchFamily="49" charset="0"/>
+              </a:rPr>
+              <a:t> </a:t>
+            </a:r>
+            <a:r>
+              <a:rPr lang="de-DE" sz="1600" dirty="0" smtClean="0">
+                <a:latin typeface="Consolas" pitchFamily="49" charset="0"/>
+                <a:cs typeface="Consolas" pitchFamily="49" charset="0"/>
+              </a:rPr>
+              <a:t> dynamic {</a:t>
+            </a:r>
+          </a:p>
+          <a:p>
+            <a:r>
+              <a:rPr lang="de-DE" sz="1600" dirty="0">
+                <a:latin typeface="Consolas" pitchFamily="49" charset="0"/>
+                <a:cs typeface="Consolas" pitchFamily="49" charset="0"/>
+              </a:rPr>
+              <a:t> </a:t>
+            </a:r>
+            <a:r>
+              <a:rPr lang="de-DE" sz="1600" dirty="0" smtClean="0">
+                <a:latin typeface="Consolas" pitchFamily="49" charset="0"/>
+                <a:cs typeface="Consolas" pitchFamily="49" charset="0"/>
+              </a:rPr>
+              <a:t>   </a:t>
+            </a:r>
+            <a:r>
+              <a:rPr lang="de-DE" sz="1600" dirty="0">
+                <a:latin typeface="Consolas" pitchFamily="49" charset="0"/>
+                <a:cs typeface="Consolas" pitchFamily="49" charset="0"/>
+              </a:rPr>
+              <a:t>val time = currentTime()</a:t>
+            </a:r>
+          </a:p>
+          <a:p>
+            <a:r>
+              <a:rPr lang="de-DE" sz="1600" dirty="0">
+                <a:latin typeface="Consolas" pitchFamily="49" charset="0"/>
+                <a:cs typeface="Consolas" pitchFamily="49" charset="0"/>
+              </a:rPr>
+              <a:t> </a:t>
+            </a:r>
+            <a:r>
+              <a:rPr lang="de-DE" sz="1600" dirty="0" smtClean="0">
+                <a:latin typeface="Consolas" pitchFamily="49" charset="0"/>
+                <a:cs typeface="Consolas" pitchFamily="49" charset="0"/>
+              </a:rPr>
+              <a:t>   </a:t>
+            </a:r>
+            <a:r>
+              <a:rPr lang="de-DE" sz="1600" dirty="0" err="1" smtClean="0">
+                <a:latin typeface="Consolas" pitchFamily="49" charset="0"/>
+                <a:cs typeface="Consolas" pitchFamily="49" charset="0"/>
+              </a:rPr>
+              <a:t>complete</a:t>
+            </a:r>
+            <a:r>
+              <a:rPr lang="de-DE" sz="1600" dirty="0" smtClean="0">
+                <a:latin typeface="Consolas" pitchFamily="49" charset="0"/>
+                <a:cs typeface="Consolas" pitchFamily="49" charset="0"/>
+              </a:rPr>
+              <a:t>("</a:t>
+            </a:r>
+            <a:r>
+              <a:rPr lang="de-DE" sz="1600" dirty="0" err="1" smtClean="0">
+                <a:latin typeface="Consolas" pitchFamily="49" charset="0"/>
+                <a:cs typeface="Consolas" pitchFamily="49" charset="0"/>
+              </a:rPr>
+              <a:t>Current</a:t>
+            </a:r>
+            <a:r>
+              <a:rPr lang="de-DE" sz="1600" dirty="0" smtClean="0">
+                <a:latin typeface="Consolas" pitchFamily="49" charset="0"/>
+                <a:cs typeface="Consolas" pitchFamily="49" charset="0"/>
+              </a:rPr>
+              <a:t> </a:t>
+            </a:r>
+            <a:r>
+              <a:rPr lang="de-DE" sz="1600" dirty="0">
+                <a:latin typeface="Consolas" pitchFamily="49" charset="0"/>
+                <a:cs typeface="Consolas" pitchFamily="49" charset="0"/>
+              </a:rPr>
+              <a:t>time: </a:t>
+            </a:r>
+            <a:r>
+              <a:rPr lang="de-DE" sz="1600" dirty="0" smtClean="0">
+                <a:latin typeface="Consolas" pitchFamily="49" charset="0"/>
+                <a:cs typeface="Consolas" pitchFamily="49" charset="0"/>
+              </a:rPr>
+              <a:t>" + time)</a:t>
+            </a:r>
+          </a:p>
+          <a:p>
+            <a:r>
+              <a:rPr lang="de-DE" sz="1600" dirty="0">
+                <a:latin typeface="Consolas" pitchFamily="49" charset="0"/>
+                <a:cs typeface="Consolas" pitchFamily="49" charset="0"/>
+              </a:rPr>
+              <a:t> </a:t>
+            </a:r>
+            <a:r>
+              <a:rPr lang="de-DE" sz="1600" dirty="0" smtClean="0">
+                <a:latin typeface="Consolas" pitchFamily="49" charset="0"/>
+                <a:cs typeface="Consolas" pitchFamily="49" charset="0"/>
+              </a:rPr>
+              <a:t> }</a:t>
+            </a:r>
+            <a:endParaRPr lang="de-DE" sz="1600" dirty="0">
+              <a:latin typeface="Consolas" pitchFamily="49" charset="0"/>
+              <a:cs typeface="Consolas" pitchFamily="49" charset="0"/>
+            </a:endParaRPr>
+          </a:p>
+          <a:p>
+            <a:r>
+              <a:rPr lang="de-DE" sz="1600" dirty="0" smtClean="0">
+                <a:latin typeface="Consolas" pitchFamily="49" charset="0"/>
+                <a:cs typeface="Consolas" pitchFamily="49" charset="0"/>
+              </a:rPr>
+              <a:t>}</a:t>
+            </a:r>
+            <a:endParaRPr lang="de-DE" sz="1600" dirty="0">
+              <a:latin typeface="Consolas" pitchFamily="49" charset="0"/>
+              <a:cs typeface="Consolas" pitchFamily="49" charset="0"/>
+            </a:endParaRPr>
+          </a:p>
+        </p:txBody>
+      </p:sp>
+      <p:sp>
+        <p:nvSpPr>
+          <p:cNvPr id="6" name="TextBox 5"/>
+          <p:cNvSpPr txBox="1"/>
+          <p:nvPr/>
+        </p:nvSpPr>
+        <p:spPr>
+          <a:xfrm>
+            <a:off x="358775" y="1568978"/>
+            <a:ext cx="6776279" cy="369332"/>
+          </a:xfrm>
+          <a:prstGeom prst="rect">
+            <a:avLst/>
+          </a:prstGeom>
+          <a:noFill/>
+        </p:spPr>
+        <p:txBody>
+          <a:bodyPr wrap="none" rtlCol="0">
+            <a:spAutoFit/>
+          </a:bodyPr>
+          <a:lstStyle/>
+          <a:p>
+            <a:r>
+              <a:rPr lang="de-DE" u="sng" dirty="0" smtClean="0"/>
+              <a:t>Lösungsmöglichkeit 1</a:t>
+            </a:r>
+            <a:r>
+              <a:rPr lang="de-DE" dirty="0" smtClean="0"/>
+              <a:t>: alle </a:t>
+            </a:r>
+            <a:r>
+              <a:rPr lang="de-DE" dirty="0"/>
+              <a:t>Anweisungen innerhalb </a:t>
+            </a:r>
+            <a:r>
+              <a:rPr lang="de-DE" dirty="0" smtClean="0"/>
+              <a:t>von </a:t>
+            </a:r>
+            <a:r>
+              <a:rPr lang="de-DE" i="1" dirty="0" smtClean="0"/>
+              <a:t>complete</a:t>
+            </a:r>
+            <a:endParaRPr lang="de-DE" i="1" dirty="0"/>
+          </a:p>
+        </p:txBody>
+      </p:sp>
+      <p:sp>
+        <p:nvSpPr>
+          <p:cNvPr id="7" name="TextBox 6"/>
+          <p:cNvSpPr txBox="1"/>
+          <p:nvPr/>
+        </p:nvSpPr>
+        <p:spPr>
+          <a:xfrm>
+            <a:off x="358775" y="4022904"/>
+            <a:ext cx="5673348" cy="369332"/>
+          </a:xfrm>
+          <a:prstGeom prst="rect">
+            <a:avLst/>
+          </a:prstGeom>
+          <a:noFill/>
+        </p:spPr>
+        <p:txBody>
+          <a:bodyPr wrap="none" rtlCol="0">
+            <a:spAutoFit/>
+          </a:bodyPr>
+          <a:lstStyle/>
+          <a:p>
+            <a:r>
+              <a:rPr lang="de-DE" u="sng" dirty="0" smtClean="0"/>
+              <a:t>Lösungsmöglichkeit 2</a:t>
+            </a:r>
+            <a:r>
+              <a:rPr lang="de-DE" dirty="0" smtClean="0"/>
+              <a:t>: Nutzung der </a:t>
+            </a:r>
+            <a:r>
+              <a:rPr lang="de-DE" i="1" dirty="0" smtClean="0"/>
+              <a:t>dynamic</a:t>
+            </a:r>
+            <a:r>
+              <a:rPr lang="de-DE" dirty="0" smtClean="0"/>
+              <a:t> Direktive</a:t>
+            </a:r>
+            <a:endParaRPr lang="de-DE" dirty="0"/>
+          </a:p>
+        </p:txBody>
+      </p:sp>
+    </p:spTree>
+    <p:extLst>
+      <p:ext uri="{BB962C8B-B14F-4D97-AF65-F5344CB8AC3E}">
+        <p14:creationId xmlns:p14="http://schemas.microsoft.com/office/powerpoint/2010/main" val="472612641"/>
+      </p:ext>
+    </p:extLst>
+  </p:cSld>
+  <p:clrMapOvr>
+    <a:masterClrMapping/>
+  </p:clrMapOvr>
 </p:sld>
 </file>
 
@@ -3792,7 +4274,7 @@
         <p:spPr>
           <a:xfrm>
             <a:off x="360000" y="3573015"/>
-            <a:ext cx="8208912" cy="830997"/>
+            <a:ext cx="8208912" cy="1815882"/>
           </a:xfrm>
           <a:prstGeom prst="rect">
             <a:avLst/>
@@ -3806,11 +4288,111 @@
           <a:lstStyle/>
           <a:p>
             <a:r>
-              <a:rPr lang="de-DE" sz="1600" dirty="0" smtClean="0">
-                <a:latin typeface="Consolas" pitchFamily="49" charset="0"/>
-                <a:cs typeface="Consolas" pitchFamily="49" charset="0"/>
-              </a:rPr>
-              <a:t>val piFuture = Future { calcPI() }</a:t>
+              <a:rPr lang="de-DE" sz="1600" dirty="0" err="1" smtClean="0">
+                <a:latin typeface="Consolas" pitchFamily="49" charset="0"/>
+                <a:cs typeface="Consolas" pitchFamily="49" charset="0"/>
+              </a:rPr>
+              <a:t>import</a:t>
+            </a:r>
+            <a:r>
+              <a:rPr lang="de-DE" sz="1600" dirty="0" smtClean="0">
+                <a:latin typeface="Consolas" pitchFamily="49" charset="0"/>
+                <a:cs typeface="Consolas" pitchFamily="49" charset="0"/>
+              </a:rPr>
+              <a:t> </a:t>
+            </a:r>
+            <a:r>
+              <a:rPr lang="de-DE" sz="1600" dirty="0" err="1" smtClean="0">
+                <a:latin typeface="Consolas" pitchFamily="49" charset="0"/>
+                <a:cs typeface="Consolas" pitchFamily="49" charset="0"/>
+              </a:rPr>
+              <a:t>scala.concurrent</a:t>
+            </a:r>
+            <a:r>
+              <a:rPr lang="de-DE" sz="1600" dirty="0">
+                <a:latin typeface="Consolas" pitchFamily="49" charset="0"/>
+                <a:cs typeface="Consolas" pitchFamily="49" charset="0"/>
+              </a:rPr>
+              <a:t>._</a:t>
+            </a:r>
+          </a:p>
+          <a:p>
+            <a:r>
+              <a:rPr lang="fr-FR" sz="1600" dirty="0">
+                <a:latin typeface="Consolas" pitchFamily="49" charset="0"/>
+                <a:cs typeface="Consolas" pitchFamily="49" charset="0"/>
+              </a:rPr>
+              <a:t>import </a:t>
+            </a:r>
+            <a:r>
+              <a:rPr lang="fr-FR" sz="1600" dirty="0" err="1">
+                <a:latin typeface="Consolas" pitchFamily="49" charset="0"/>
+                <a:cs typeface="Consolas" pitchFamily="49" charset="0"/>
+              </a:rPr>
+              <a:t>scala.concurrent.duration</a:t>
+            </a:r>
+            <a:r>
+              <a:rPr lang="fr-FR" sz="1600" dirty="0">
+                <a:latin typeface="Consolas" pitchFamily="49" charset="0"/>
+                <a:cs typeface="Consolas" pitchFamily="49" charset="0"/>
+              </a:rPr>
+              <a:t>._</a:t>
+            </a:r>
+          </a:p>
+          <a:p>
+            <a:r>
+              <a:rPr lang="de-DE" sz="1600" dirty="0" err="1" smtClean="0">
+                <a:latin typeface="Consolas" pitchFamily="49" charset="0"/>
+                <a:cs typeface="Consolas" pitchFamily="49" charset="0"/>
+              </a:rPr>
+              <a:t>import</a:t>
+            </a:r>
+            <a:r>
+              <a:rPr lang="de-DE" sz="1600" dirty="0" smtClean="0">
+                <a:latin typeface="Consolas" pitchFamily="49" charset="0"/>
+                <a:cs typeface="Consolas" pitchFamily="49" charset="0"/>
+              </a:rPr>
+              <a:t> </a:t>
+            </a:r>
+            <a:r>
+              <a:rPr lang="de-DE" sz="1600" dirty="0" err="1" smtClean="0">
+                <a:latin typeface="Consolas" pitchFamily="49" charset="0"/>
+                <a:cs typeface="Consolas" pitchFamily="49" charset="0"/>
+              </a:rPr>
+              <a:t>scala.concurrent.ExecutionContext.Implicits.global</a:t>
+            </a:r>
+            <a:endParaRPr lang="de-DE" sz="1600" dirty="0" smtClean="0">
+              <a:latin typeface="Consolas" pitchFamily="49" charset="0"/>
+              <a:cs typeface="Consolas" pitchFamily="49" charset="0"/>
+            </a:endParaRPr>
+          </a:p>
+          <a:p>
+            <a:endParaRPr lang="de-DE" sz="1600" dirty="0" smtClean="0">
+              <a:latin typeface="Consolas" pitchFamily="49" charset="0"/>
+              <a:cs typeface="Consolas" pitchFamily="49" charset="0"/>
+            </a:endParaRPr>
+          </a:p>
+          <a:p>
+            <a:r>
+              <a:rPr lang="de-DE" sz="1600" dirty="0" err="1" smtClean="0">
+                <a:latin typeface="Consolas" pitchFamily="49" charset="0"/>
+                <a:cs typeface="Consolas" pitchFamily="49" charset="0"/>
+              </a:rPr>
+              <a:t>val</a:t>
+            </a:r>
+            <a:r>
+              <a:rPr lang="de-DE" sz="1600" dirty="0" smtClean="0">
+                <a:latin typeface="Consolas" pitchFamily="49" charset="0"/>
+                <a:cs typeface="Consolas" pitchFamily="49" charset="0"/>
+              </a:rPr>
+              <a:t> </a:t>
+            </a:r>
+            <a:r>
+              <a:rPr lang="de-DE" sz="1600" dirty="0" smtClean="0">
+                <a:latin typeface="Consolas" pitchFamily="49" charset="0"/>
+                <a:cs typeface="Consolas" pitchFamily="49" charset="0"/>
+              </a:rPr>
+              <a:t>piFuture = Future { calcPI() }</a:t>
             </a:r>
           </a:p>
           <a:p>
@@ -4137,11 +4719,46 @@
           </a:p>
           <a:p>
             <a:r>
-              <a:rPr lang="de-DE" sz="1600" dirty="0" smtClean="0">
-                <a:latin typeface="Consolas" pitchFamily="49" charset="0"/>
-                <a:cs typeface="Consolas" pitchFamily="49" charset="0"/>
-              </a:rPr>
-              <a:t>for(</a:t>
+              <a:rPr lang="de-DE" sz="1600" dirty="0" err="1" smtClean="0">
+                <a:latin typeface="Consolas" pitchFamily="49" charset="0"/>
+                <a:cs typeface="Consolas" pitchFamily="49" charset="0"/>
+              </a:rPr>
+              <a:t>val</a:t>
+            </a:r>
+            <a:r>
+              <a:rPr lang="de-DE" sz="1600" dirty="0" smtClean="0">
+                <a:latin typeface="Consolas" pitchFamily="49" charset="0"/>
+                <a:cs typeface="Consolas" pitchFamily="49" charset="0"/>
+              </a:rPr>
+              <a:t> </a:t>
+            </a:r>
+            <a:r>
+              <a:rPr lang="de-DE" sz="1600" dirty="0" err="1" smtClean="0">
+                <a:latin typeface="Consolas" pitchFamily="49" charset="0"/>
+                <a:cs typeface="Consolas" pitchFamily="49" charset="0"/>
+              </a:rPr>
+              <a:t>result</a:t>
+            </a:r>
+            <a:r>
+              <a:rPr lang="de-DE" sz="1600" dirty="0" smtClean="0">
+                <a:latin typeface="Consolas" pitchFamily="49" charset="0"/>
+                <a:cs typeface="Consolas" pitchFamily="49" charset="0"/>
+              </a:rPr>
+              <a:t> = </a:t>
+            </a:r>
+            <a:r>
+              <a:rPr lang="de-DE" sz="1600" dirty="0" err="1" smtClean="0">
+                <a:latin typeface="Consolas" pitchFamily="49" charset="0"/>
+                <a:cs typeface="Consolas" pitchFamily="49" charset="0"/>
+              </a:rPr>
+              <a:t>for</a:t>
+            </a:r>
+            <a:r>
+              <a:rPr lang="de-DE" sz="1600" dirty="0" smtClean="0">
+                <a:latin typeface="Consolas" pitchFamily="49" charset="0"/>
+                <a:cs typeface="Consolas" pitchFamily="49" charset="0"/>
+              </a:rPr>
+              <a:t>(</a:t>
             </a:r>
           </a:p>
           <a:p>
@@ -4214,26 +4831,54 @@
           <a:lstStyle/>
           <a:p>
             <a:r>
+              <a:rPr lang="de-DE" sz="1600" dirty="0" err="1">
+                <a:latin typeface="Consolas" pitchFamily="49" charset="0"/>
+                <a:cs typeface="Consolas" pitchFamily="49" charset="0"/>
+              </a:rPr>
+              <a:t>val</a:t>
+            </a:r>
+            <a:r>
               <a:rPr lang="de-DE" sz="1600" dirty="0">
                 <a:latin typeface="Consolas" pitchFamily="49" charset="0"/>
                 <a:cs typeface="Consolas" pitchFamily="49" charset="0"/>
               </a:rPr>
-              <a:t>f</a:t>
-            </a:r>
-            <a:r>
-              <a:rPr lang="de-DE" sz="1600" dirty="0" smtClean="0">
-                <a:latin typeface="Consolas" pitchFamily="49" charset="0"/>
-                <a:cs typeface="Consolas" pitchFamily="49" charset="0"/>
-              </a:rPr>
-              <a:t>or(</a:t>
-            </a:r>
-          </a:p>
-          <a:p>
+              <a:t> </a:t>
+            </a:r>
+            <a:r>
+              <a:rPr lang="de-DE" sz="1600" dirty="0" err="1">
+                <a:latin typeface="Consolas" pitchFamily="49" charset="0"/>
+                <a:cs typeface="Consolas" pitchFamily="49" charset="0"/>
+              </a:rPr>
+              <a:t>result</a:t>
+            </a:r>
             <a:r>
               <a:rPr lang="de-DE" sz="1600" dirty="0">
                 <a:latin typeface="Consolas" pitchFamily="49" charset="0"/>
                 <a:cs typeface="Consolas" pitchFamily="49" charset="0"/>
               </a:rPr>
+              <a:t> = </a:t>
+            </a:r>
+            <a:r>
+              <a:rPr lang="de-DE" sz="1600" dirty="0" err="1">
+                <a:latin typeface="Consolas" pitchFamily="49" charset="0"/>
+                <a:cs typeface="Consolas" pitchFamily="49" charset="0"/>
+              </a:rPr>
+              <a:t>for</a:t>
+            </a:r>
+            <a:r>
+              <a:rPr lang="de-DE" sz="1600" dirty="0" smtClean="0">
+                <a:latin typeface="Consolas" pitchFamily="49" charset="0"/>
+                <a:cs typeface="Consolas" pitchFamily="49" charset="0"/>
+              </a:rPr>
+              <a:t>(</a:t>
+            </a:r>
+          </a:p>
+          <a:p>
+            <a:r>
+              <a:rPr lang="de-DE" sz="1600" dirty="0">
+                <a:latin typeface="Consolas" pitchFamily="49" charset="0"/>
+                <a:cs typeface="Consolas" pitchFamily="49" charset="0"/>
+              </a:rPr>
               <a:t> </a:t>
             </a:r>
             <a:r>
@@ -4257,14 +4902,7 @@
                 <a:latin typeface="Consolas" pitchFamily="49" charset="0"/>
                 <a:cs typeface="Consolas" pitchFamily="49" charset="0"/>
               </a:rPr>
-              <a:t>  </a:t>
-            </a:r>
-            <a:r>
-              <a:rPr lang="de-DE" sz="1600" dirty="0" smtClean="0">
-                <a:latin typeface="Consolas" pitchFamily="49" charset="0"/>
-                <a:cs typeface="Consolas" pitchFamily="49" charset="0"/>
-              </a:rPr>
-              <a:t>b &lt;- </a:t>
+              <a:t>  b &lt;- </a:t>
             </a:r>
             <a:r>
               <a:rPr lang="de-DE" sz="1600" dirty="0">
@@ -4280,14 +4918,7 @@
                 <a:latin typeface="Consolas" pitchFamily="49" charset="0"/>
                 <a:cs typeface="Consolas" pitchFamily="49" charset="0"/>
               </a:rPr>
-              <a:t>) </a:t>
-            </a:r>
-            <a:r>
-              <a:rPr lang="de-DE" sz="1600" dirty="0" smtClean="0">
-                <a:latin typeface="Consolas" pitchFamily="49" charset="0"/>
-                <a:cs typeface="Consolas" pitchFamily="49" charset="0"/>
-              </a:rPr>
-              <a:t>yield a * b</a:t>
+              <a:t>) yield a * b</a:t>
             </a:r>
             <a:endParaRPr lang="de-DE" sz="1600" dirty="0">
               <a:latin typeface="Consolas" pitchFamily="49" charset="0"/>
@@ -4402,107 +5033,9 @@
           <a:p>
             <a:r>
               <a:rPr lang="de-DE" dirty="0" smtClean="0"/>
-              <a:t>Futures und Akka</a:t>
+              <a:t>Futures reduzieren</a:t>
             </a:r>
             <a:endParaRPr lang="de-DE" dirty="0"/>
-          </a:p>
-        </p:txBody>
-      </p:sp>
-      <p:sp>
-        <p:nvSpPr>
-          <p:cNvPr id="3" name="Content Placeholder 2"/>
-          <p:cNvSpPr>
-            <a:spLocks noGrp="1"/>
-          </p:cNvSpPr>
-          <p:nvPr>
-            <p:ph idx="1"/>
-          </p:nvPr>
-        </p:nvSpPr>
-        <p:spPr/>
-        <p:txBody>
-          <a:bodyPr/>
-          <a:lstStyle/>
-          <a:p>
-            <a:pPr marL="342900" indent="-342900">
-              <a:buFontTx/>
-              <a:buChar char="-"/>
-            </a:pPr>
-            <a:r>
-              <a:rPr lang="de-DE" dirty="0" smtClean="0"/>
-              <a:t>Akka Ask („?“) Methode liefert ein Future</a:t>
-            </a:r>
-          </a:p>
-          <a:p>
-            <a:pPr marL="342900" indent="-342900">
-              <a:buFontTx/>
-              <a:buChar char="-"/>
-            </a:pPr>
-            <a:r>
-              <a:rPr lang="de-DE" dirty="0" smtClean="0"/>
-              <a:t>Weiterleitung eines Ergebnisses mit </a:t>
-            </a:r>
-            <a:r>
-              <a:rPr lang="de-DE" i="1" dirty="0" err="1" smtClean="0"/>
-              <a:t>pipeTo</a:t>
-            </a:r>
-            <a:r>
-              <a:rPr lang="de-DE" dirty="0" smtClean="0"/>
-              <a:t> möglich</a:t>
-            </a:r>
-            <a:endParaRPr lang="de-DE" i="1" dirty="0" smtClean="0"/>
-          </a:p>
-          <a:p>
-            <a:pPr marL="342900" indent="-342900">
-              <a:buFontTx/>
-              <a:buChar char="-"/>
-            </a:pPr>
-            <a:r>
-              <a:rPr lang="de-DE" dirty="0" smtClean="0"/>
-              <a:t>Kapselung des internen </a:t>
-            </a:r>
-            <a:r>
-              <a:rPr lang="de-DE" dirty="0" err="1" smtClean="0"/>
-              <a:t>Aktorzustandes</a:t>
-            </a:r>
-            <a:r>
-              <a:rPr lang="de-DE" dirty="0" smtClean="0"/>
-              <a:t> beachten</a:t>
-            </a:r>
-          </a:p>
-          <a:p>
-            <a:pPr marL="342900" indent="-342900">
-              <a:buFontTx/>
-              <a:buChar char="-"/>
-            </a:pPr>
-            <a:r>
-              <a:rPr lang="de-DE" b="1" dirty="0" smtClean="0"/>
-              <a:t>Achtung</a:t>
-            </a:r>
-            <a:r>
-              <a:rPr lang="de-DE" dirty="0" smtClean="0"/>
-              <a:t>: </a:t>
-            </a:r>
-            <a:r>
-              <a:rPr lang="de-DE" dirty="0"/>
-              <a:t>"</a:t>
-            </a:r>
-            <a:r>
-              <a:rPr lang="de-DE" dirty="0" err="1" smtClean="0"/>
-              <a:t>sender</a:t>
-            </a:r>
-            <a:r>
-              <a:rPr lang="de-DE" dirty="0"/>
-              <a:t>"</a:t>
-            </a:r>
-            <a:r>
-              <a:rPr lang="de-DE" dirty="0" smtClean="0"/>
-              <a:t> ist ein </a:t>
-            </a:r>
-            <a:r>
-              <a:rPr lang="de-DE" i="1" dirty="0" err="1" smtClean="0"/>
-              <a:t>def</a:t>
-            </a:r>
-            <a:endParaRPr lang="de-DE" i="1" dirty="0"/>
           </a:p>
         </p:txBody>
       </p:sp>
@@ -4514,8 +5047,8 @@
         </p:nvSpPr>
         <p:spPr>
           <a:xfrm>
-            <a:off x="360000" y="3923764"/>
-            <a:ext cx="2411800" cy="369332"/>
+            <a:off x="358775" y="1700808"/>
+            <a:ext cx="5725393" cy="369332"/>
           </a:xfrm>
           <a:prstGeom prst="rect">
             <a:avLst/>
@@ -4529,12 +5062,20 @@
           <a:lstStyle/>
           <a:p>
             <a:r>
-              <a:rPr lang="de-DE" u="sng" dirty="0" smtClean="0"/>
-              <a:t>Beispiel</a:t>
+              <a:rPr lang="de-DE" dirty="0" err="1" smtClean="0"/>
+              <a:t>Seq</a:t>
             </a:r>
             <a:r>
               <a:rPr lang="de-DE" dirty="0" smtClean="0"/>
-              <a:t>:</a:t>
+              <a:t>[Future] ~&gt; Future[</a:t>
+            </a:r>
+            <a:r>
+              <a:rPr lang="de-DE" dirty="0" err="1" smtClean="0"/>
+              <a:t>Seq</a:t>
+            </a:r>
+            <a:r>
+              <a:rPr lang="de-DE" dirty="0" smtClean="0"/>
+              <a:t>]</a:t>
             </a:r>
             <a:endParaRPr lang="de-DE" dirty="0"/>
           </a:p>
@@ -4548,8 +5089,8 @@
         </p:nvSpPr>
         <p:spPr>
           <a:xfrm>
-            <a:off x="360000" y="4293096"/>
-            <a:ext cx="7632848" cy="830997"/>
+            <a:off x="358774" y="2132856"/>
+            <a:ext cx="8461697" cy="584775"/>
           </a:xfrm>
           <a:prstGeom prst="rect">
             <a:avLst/>
@@ -4563,41 +5104,665 @@
           <a:lstStyle/>
           <a:p>
             <a:r>
-              <a:rPr lang="de-DE" sz="1600" dirty="0" smtClean="0">
-                <a:latin typeface="Consolas" pitchFamily="49" charset="0"/>
-                <a:cs typeface="Consolas" pitchFamily="49" charset="0"/>
-              </a:rPr>
-              <a:t>val from = sender</a:t>
-            </a:r>
-          </a:p>
-          <a:p>
-            <a:r>
-              <a:rPr lang="de-DE" sz="1600" dirty="0" smtClean="0">
-                <a:latin typeface="Consolas" pitchFamily="49" charset="0"/>
-                <a:cs typeface="Consolas" pitchFamily="49" charset="0"/>
-              </a:rPr>
-              <a:t>val result = (actorA ? GetInfo).mapTo[Info]</a:t>
-            </a:r>
-          </a:p>
-          <a:p>
-            <a:r>
-              <a:rPr lang="de-DE" sz="1600" dirty="0" smtClean="0">
-                <a:latin typeface="Consolas" pitchFamily="49" charset="0"/>
-                <a:cs typeface="Consolas" pitchFamily="49" charset="0"/>
-              </a:rPr>
-              <a:t>result.map(info =&gt; InfoRequestResult(info, from) pipeTo actorB</a:t>
+              <a:rPr lang="de-DE" sz="1600" dirty="0" err="1" smtClean="0">
+                <a:latin typeface="Consolas" pitchFamily="49" charset="0"/>
+                <a:cs typeface="Consolas" pitchFamily="49" charset="0"/>
+              </a:rPr>
+              <a:t>val</a:t>
+            </a:r>
+            <a:r>
+              <a:rPr lang="de-DE" sz="1600" dirty="0" smtClean="0">
+                <a:latin typeface="Consolas" pitchFamily="49" charset="0"/>
+                <a:cs typeface="Consolas" pitchFamily="49" charset="0"/>
+              </a:rPr>
+              <a:t> </a:t>
+            </a:r>
+            <a:r>
+              <a:rPr lang="de-DE" sz="1600" dirty="0" smtClean="0">
+                <a:latin typeface="Consolas" pitchFamily="49" charset="0"/>
+                <a:cs typeface="Consolas" pitchFamily="49" charset="0"/>
+              </a:rPr>
+              <a:t>f1: </a:t>
+            </a:r>
+            <a:r>
+              <a:rPr lang="de-DE" sz="1600" dirty="0" err="1" smtClean="0">
+                <a:latin typeface="Consolas" pitchFamily="49" charset="0"/>
+                <a:cs typeface="Consolas" pitchFamily="49" charset="0"/>
+              </a:rPr>
+              <a:t>Seq</a:t>
+            </a:r>
+            <a:r>
+              <a:rPr lang="de-DE" sz="1600" dirty="0" smtClean="0">
+                <a:latin typeface="Consolas" pitchFamily="49" charset="0"/>
+                <a:cs typeface="Consolas" pitchFamily="49" charset="0"/>
+              </a:rPr>
+              <a:t>[Future[Foo]] = </a:t>
+            </a:r>
+            <a:r>
+              <a:rPr lang="de-DE" sz="1600" dirty="0" err="1" smtClean="0">
+                <a:latin typeface="Consolas" pitchFamily="49" charset="0"/>
+                <a:cs typeface="Consolas" pitchFamily="49" charset="0"/>
+              </a:rPr>
+              <a:t>for</a:t>
+            </a:r>
+            <a:r>
+              <a:rPr lang="de-DE" sz="1600" dirty="0" smtClean="0">
+                <a:latin typeface="Consolas" pitchFamily="49" charset="0"/>
+                <a:cs typeface="Consolas" pitchFamily="49" charset="0"/>
+              </a:rPr>
+              <a:t> .. </a:t>
+            </a:r>
+            <a:r>
+              <a:rPr lang="de-DE" sz="1600" dirty="0" err="1" smtClean="0">
+                <a:latin typeface="Consolas" pitchFamily="49" charset="0"/>
+                <a:cs typeface="Consolas" pitchFamily="49" charset="0"/>
+              </a:rPr>
+              <a:t>yield</a:t>
+            </a:r>
+            <a:r>
+              <a:rPr lang="de-DE" sz="1600" dirty="0" smtClean="0">
+                <a:latin typeface="Consolas" pitchFamily="49" charset="0"/>
+                <a:cs typeface="Consolas" pitchFamily="49" charset="0"/>
+              </a:rPr>
+              <a:t> </a:t>
+            </a:r>
+            <a:r>
+              <a:rPr lang="de-DE" sz="1600" dirty="0" smtClean="0">
+                <a:latin typeface="Consolas" pitchFamily="49" charset="0"/>
+                <a:cs typeface="Consolas" pitchFamily="49" charset="0"/>
+              </a:rPr>
+              <a:t>Future {..}</a:t>
+            </a:r>
+            <a:endParaRPr lang="de-DE" sz="1600" dirty="0" smtClean="0">
+              <a:latin typeface="Consolas" pitchFamily="49" charset="0"/>
+              <a:cs typeface="Consolas" pitchFamily="49" charset="0"/>
+            </a:endParaRPr>
+          </a:p>
+          <a:p>
+            <a:r>
+              <a:rPr lang="de-DE" sz="1600" dirty="0" err="1" smtClean="0">
+                <a:latin typeface="Consolas" pitchFamily="49" charset="0"/>
+                <a:cs typeface="Consolas" pitchFamily="49" charset="0"/>
+              </a:rPr>
+              <a:t>val</a:t>
+            </a:r>
+            <a:r>
+              <a:rPr lang="de-DE" sz="1600" dirty="0" smtClean="0">
+                <a:latin typeface="Consolas" pitchFamily="49" charset="0"/>
+                <a:cs typeface="Consolas" pitchFamily="49" charset="0"/>
+              </a:rPr>
+              <a:t> f2: Future[</a:t>
+            </a:r>
+            <a:r>
+              <a:rPr lang="de-DE" sz="1600" dirty="0" err="1" smtClean="0">
+                <a:latin typeface="Consolas" pitchFamily="49" charset="0"/>
+                <a:cs typeface="Consolas" pitchFamily="49" charset="0"/>
+              </a:rPr>
+              <a:t>Seq</a:t>
+            </a:r>
+            <a:r>
+              <a:rPr lang="de-DE" sz="1600" dirty="0" smtClean="0">
+                <a:latin typeface="Consolas" pitchFamily="49" charset="0"/>
+                <a:cs typeface="Consolas" pitchFamily="49" charset="0"/>
+              </a:rPr>
+              <a:t>[Foo]] </a:t>
+            </a:r>
+            <a:r>
+              <a:rPr lang="de-DE" sz="1600" dirty="0">
+                <a:latin typeface="Consolas" pitchFamily="49" charset="0"/>
+                <a:cs typeface="Consolas" pitchFamily="49" charset="0"/>
+              </a:rPr>
+              <a:t>= </a:t>
+            </a:r>
+            <a:r>
+              <a:rPr lang="de-DE" sz="1600" dirty="0" err="1" smtClean="0">
+                <a:latin typeface="Consolas" pitchFamily="49" charset="0"/>
+                <a:cs typeface="Consolas" pitchFamily="49" charset="0"/>
+              </a:rPr>
+              <a:t>Future.sequence</a:t>
+            </a:r>
+            <a:r>
+              <a:rPr lang="de-DE" sz="1600" dirty="0" smtClean="0">
+                <a:latin typeface="Consolas" pitchFamily="49" charset="0"/>
+                <a:cs typeface="Consolas" pitchFamily="49" charset="0"/>
+              </a:rPr>
+              <a:t>(f1</a:t>
+            </a:r>
+            <a:r>
+              <a:rPr lang="de-DE" sz="1600" dirty="0" smtClean="0">
+                <a:latin typeface="Consolas" pitchFamily="49" charset="0"/>
+                <a:cs typeface="Consolas" pitchFamily="49" charset="0"/>
+              </a:rPr>
+              <a:t>)</a:t>
+            </a:r>
+          </a:p>
+        </p:txBody>
+      </p:sp>
+      <p:sp>
+        <p:nvSpPr>
+          <p:cNvPr id="6" name="TextBox 5"/>
+          <p:cNvSpPr txBox="1"/>
+          <p:nvPr/>
+        </p:nvSpPr>
+        <p:spPr>
+          <a:xfrm>
+            <a:off x="358774" y="4650290"/>
+            <a:ext cx="3277121" cy="369332"/>
+          </a:xfrm>
+          <a:prstGeom prst="rect">
+            <a:avLst/>
+          </a:prstGeom>
+          <a:noFill/>
+        </p:spPr>
+        <p:txBody>
+          <a:bodyPr wrap="square" rtlCol="0">
+            <a:spAutoFit/>
+          </a:bodyPr>
+          <a:lstStyle/>
+          <a:p>
+            <a:r>
+              <a:rPr lang="de-DE" dirty="0" err="1" smtClean="0"/>
+              <a:t>Future.fold</a:t>
+            </a:r>
+            <a:endParaRPr lang="de-DE" dirty="0"/>
+          </a:p>
+        </p:txBody>
+      </p:sp>
+      <p:sp>
+        <p:nvSpPr>
+          <p:cNvPr id="7" name="TextBox 6"/>
+          <p:cNvSpPr txBox="1"/>
+          <p:nvPr/>
+        </p:nvSpPr>
+        <p:spPr>
+          <a:xfrm>
+            <a:off x="358774" y="3344872"/>
+            <a:ext cx="8389689" cy="1077218"/>
+          </a:xfrm>
+          <a:prstGeom prst="rect">
+            <a:avLst/>
+          </a:prstGeom>
+          <a:noFill/>
+        </p:spPr>
+        <p:txBody>
+          <a:bodyPr wrap="square" rtlCol="0">
+            <a:spAutoFit/>
+          </a:bodyPr>
+          <a:lstStyle/>
+          <a:p>
+            <a:r>
+              <a:rPr lang="de-DE" sz="1600" dirty="0" err="1" smtClean="0">
+                <a:latin typeface="Consolas" pitchFamily="49" charset="0"/>
+                <a:cs typeface="Consolas" pitchFamily="49" charset="0"/>
+              </a:rPr>
+              <a:t>val</a:t>
+            </a:r>
+            <a:r>
+              <a:rPr lang="de-DE" sz="1600" dirty="0" smtClean="0">
+                <a:latin typeface="Consolas" pitchFamily="49" charset="0"/>
+                <a:cs typeface="Consolas" pitchFamily="49" charset="0"/>
+              </a:rPr>
+              <a:t> </a:t>
+            </a:r>
+            <a:r>
+              <a:rPr lang="de-DE" sz="1600" dirty="0">
+                <a:latin typeface="Consolas" pitchFamily="49" charset="0"/>
+                <a:cs typeface="Consolas" pitchFamily="49" charset="0"/>
+              </a:rPr>
+              <a:t>f1: </a:t>
+            </a:r>
+            <a:r>
+              <a:rPr lang="de-DE" sz="1600" dirty="0" err="1" smtClean="0">
+                <a:latin typeface="Consolas" pitchFamily="49" charset="0"/>
+                <a:cs typeface="Consolas" pitchFamily="49" charset="0"/>
+              </a:rPr>
+              <a:t>Seq</a:t>
+            </a:r>
+            <a:r>
+              <a:rPr lang="de-DE" sz="1600" dirty="0" smtClean="0">
+                <a:latin typeface="Consolas" pitchFamily="49" charset="0"/>
+                <a:cs typeface="Consolas" pitchFamily="49" charset="0"/>
+              </a:rPr>
+              <a:t>[Future[Foo]] </a:t>
+            </a:r>
+            <a:r>
+              <a:rPr lang="de-DE" sz="1600" dirty="0">
+                <a:latin typeface="Consolas" pitchFamily="49" charset="0"/>
+                <a:cs typeface="Consolas" pitchFamily="49" charset="0"/>
+              </a:rPr>
+              <a:t>= </a:t>
+            </a:r>
+            <a:r>
+              <a:rPr lang="de-DE" sz="1600" dirty="0" err="1">
+                <a:latin typeface="Consolas" pitchFamily="49" charset="0"/>
+                <a:cs typeface="Consolas" pitchFamily="49" charset="0"/>
+              </a:rPr>
+              <a:t>for</a:t>
+            </a:r>
+            <a:r>
+              <a:rPr lang="de-DE" sz="1600" dirty="0">
+                <a:latin typeface="Consolas" pitchFamily="49" charset="0"/>
+                <a:cs typeface="Consolas" pitchFamily="49" charset="0"/>
+              </a:rPr>
+              <a:t> .. </a:t>
+            </a:r>
+            <a:r>
+              <a:rPr lang="de-DE" sz="1600" dirty="0" err="1">
+                <a:latin typeface="Consolas" pitchFamily="49" charset="0"/>
+                <a:cs typeface="Consolas" pitchFamily="49" charset="0"/>
+              </a:rPr>
+              <a:t>yield</a:t>
+            </a:r>
+            <a:r>
+              <a:rPr lang="de-DE" sz="1600" dirty="0">
+                <a:latin typeface="Consolas" pitchFamily="49" charset="0"/>
+                <a:cs typeface="Consolas" pitchFamily="49" charset="0"/>
+              </a:rPr>
+              <a:t> </a:t>
+            </a:r>
+            <a:r>
+              <a:rPr lang="de-DE" sz="1600" dirty="0" smtClean="0">
+                <a:latin typeface="Consolas" pitchFamily="49" charset="0"/>
+                <a:cs typeface="Consolas" pitchFamily="49" charset="0"/>
+              </a:rPr>
+              <a:t>Future {..}</a:t>
+            </a:r>
+            <a:endParaRPr lang="de-DE" sz="1600" dirty="0" smtClean="0">
+              <a:latin typeface="Consolas" pitchFamily="49" charset="0"/>
+              <a:cs typeface="Consolas" pitchFamily="49" charset="0"/>
+            </a:endParaRPr>
+          </a:p>
+          <a:p>
+            <a:r>
+              <a:rPr lang="de-DE" sz="1600" dirty="0" err="1" smtClean="0">
+                <a:latin typeface="Consolas" pitchFamily="49" charset="0"/>
+                <a:cs typeface="Consolas" pitchFamily="49" charset="0"/>
+              </a:rPr>
+              <a:t>val</a:t>
+            </a:r>
+            <a:r>
+              <a:rPr lang="de-DE" sz="1600" dirty="0" smtClean="0">
+                <a:latin typeface="Consolas" pitchFamily="49" charset="0"/>
+                <a:cs typeface="Consolas" pitchFamily="49" charset="0"/>
+              </a:rPr>
+              <a:t> f2: Future[Foo] = </a:t>
+            </a:r>
+            <a:r>
+              <a:rPr lang="de-DE" sz="1600" dirty="0" err="1" smtClean="0">
+                <a:latin typeface="Consolas" pitchFamily="49" charset="0"/>
+                <a:cs typeface="Consolas" pitchFamily="49" charset="0"/>
+              </a:rPr>
+              <a:t>Future.reduce</a:t>
+            </a:r>
+            <a:r>
+              <a:rPr lang="de-DE" sz="1600" dirty="0" smtClean="0">
+                <a:latin typeface="Consolas" pitchFamily="49" charset="0"/>
+                <a:cs typeface="Consolas" pitchFamily="49" charset="0"/>
+              </a:rPr>
+              <a:t>(f1){</a:t>
+            </a:r>
+          </a:p>
+          <a:p>
+            <a:r>
+              <a:rPr lang="de-DE" sz="1600" dirty="0">
+                <a:latin typeface="Consolas" pitchFamily="49" charset="0"/>
+                <a:cs typeface="Consolas" pitchFamily="49" charset="0"/>
+              </a:rPr>
+              <a:t> </a:t>
+            </a:r>
+            <a:r>
+              <a:rPr lang="de-DE" sz="1600" dirty="0" smtClean="0">
+                <a:latin typeface="Consolas" pitchFamily="49" charset="0"/>
+                <a:cs typeface="Consolas" pitchFamily="49" charset="0"/>
+              </a:rPr>
+              <a:t> (a, b) =&gt; Foo(</a:t>
+            </a:r>
+            <a:r>
+              <a:rPr lang="de-DE" sz="1600" dirty="0" err="1" smtClean="0">
+                <a:latin typeface="Consolas" pitchFamily="49" charset="0"/>
+                <a:cs typeface="Consolas" pitchFamily="49" charset="0"/>
+              </a:rPr>
+              <a:t>a.x</a:t>
+            </a:r>
+            <a:r>
+              <a:rPr lang="de-DE" sz="1600" dirty="0" smtClean="0">
+                <a:latin typeface="Consolas" pitchFamily="49" charset="0"/>
+                <a:cs typeface="Consolas" pitchFamily="49" charset="0"/>
+              </a:rPr>
+              <a:t> + </a:t>
+            </a:r>
+            <a:r>
+              <a:rPr lang="de-DE" sz="1600" dirty="0" err="1" smtClean="0">
+                <a:latin typeface="Consolas" pitchFamily="49" charset="0"/>
+                <a:cs typeface="Consolas" pitchFamily="49" charset="0"/>
+              </a:rPr>
+              <a:t>b.x</a:t>
+            </a:r>
+            <a:r>
+              <a:rPr lang="de-DE" sz="1600" dirty="0" smtClean="0">
+                <a:latin typeface="Consolas" pitchFamily="49" charset="0"/>
+                <a:cs typeface="Consolas" pitchFamily="49" charset="0"/>
+              </a:rPr>
+              <a:t>)</a:t>
             </a:r>
             <a:endParaRPr lang="de-DE" sz="1600" dirty="0">
               <a:latin typeface="Consolas" pitchFamily="49" charset="0"/>
               <a:cs typeface="Consolas" pitchFamily="49" charset="0"/>
             </a:endParaRPr>
           </a:p>
+          <a:p>
+            <a:r>
+              <a:rPr lang="de-DE" sz="1600" dirty="0" smtClean="0">
+                <a:latin typeface="Consolas" pitchFamily="49" charset="0"/>
+                <a:cs typeface="Consolas" pitchFamily="49" charset="0"/>
+              </a:rPr>
+              <a:t>}</a:t>
+            </a:r>
+            <a:endParaRPr lang="de-DE" sz="1600" dirty="0">
+              <a:latin typeface="Consolas" pitchFamily="49" charset="0"/>
+              <a:cs typeface="Consolas" pitchFamily="49" charset="0"/>
+            </a:endParaRPr>
+          </a:p>
+        </p:txBody>
+      </p:sp>
+      <p:sp>
+        <p:nvSpPr>
+          <p:cNvPr id="8" name="TextBox 5"/>
+          <p:cNvSpPr txBox="1"/>
+          <p:nvPr/>
+        </p:nvSpPr>
+        <p:spPr>
+          <a:xfrm>
+            <a:off x="357677" y="2949107"/>
+            <a:ext cx="3277121" cy="369332"/>
+          </a:xfrm>
+          <a:prstGeom prst="rect">
+            <a:avLst/>
+          </a:prstGeom>
+          <a:noFill/>
+        </p:spPr>
+        <p:txBody>
+          <a:bodyPr wrap="square" rtlCol="0">
+            <a:spAutoFit/>
+          </a:bodyPr>
+          <a:lstStyle/>
+          <a:p>
+            <a:r>
+              <a:rPr lang="de-DE" dirty="0" err="1" smtClean="0"/>
+              <a:t>Future.reduce</a:t>
+            </a:r>
+            <a:endParaRPr lang="de-DE" dirty="0"/>
+          </a:p>
+        </p:txBody>
+      </p:sp>
+      <p:sp>
+        <p:nvSpPr>
+          <p:cNvPr id="9" name="TextBox 6"/>
+          <p:cNvSpPr txBox="1"/>
+          <p:nvPr/>
+        </p:nvSpPr>
+        <p:spPr>
+          <a:xfrm>
+            <a:off x="358773" y="5026162"/>
+            <a:ext cx="8389689" cy="1077218"/>
+          </a:xfrm>
+          <a:prstGeom prst="rect">
+            <a:avLst/>
+          </a:prstGeom>
+          <a:noFill/>
+        </p:spPr>
+        <p:txBody>
+          <a:bodyPr wrap="square" rtlCol="0">
+            <a:spAutoFit/>
+          </a:bodyPr>
+          <a:lstStyle/>
+          <a:p>
+            <a:r>
+              <a:rPr lang="de-DE" sz="1600" dirty="0" err="1" smtClean="0">
+                <a:latin typeface="Consolas" pitchFamily="49" charset="0"/>
+                <a:cs typeface="Consolas" pitchFamily="49" charset="0"/>
+              </a:rPr>
+              <a:t>val</a:t>
+            </a:r>
+            <a:r>
+              <a:rPr lang="de-DE" sz="1600" dirty="0" smtClean="0">
+                <a:latin typeface="Consolas" pitchFamily="49" charset="0"/>
+                <a:cs typeface="Consolas" pitchFamily="49" charset="0"/>
+              </a:rPr>
+              <a:t> </a:t>
+            </a:r>
+            <a:r>
+              <a:rPr lang="de-DE" sz="1600" dirty="0">
+                <a:latin typeface="Consolas" pitchFamily="49" charset="0"/>
+                <a:cs typeface="Consolas" pitchFamily="49" charset="0"/>
+              </a:rPr>
+              <a:t>f1: </a:t>
+            </a:r>
+            <a:r>
+              <a:rPr lang="de-DE" sz="1600" dirty="0" err="1" smtClean="0">
+                <a:latin typeface="Consolas" pitchFamily="49" charset="0"/>
+                <a:cs typeface="Consolas" pitchFamily="49" charset="0"/>
+              </a:rPr>
+              <a:t>Seq</a:t>
+            </a:r>
+            <a:r>
+              <a:rPr lang="de-DE" sz="1600" dirty="0" smtClean="0">
+                <a:latin typeface="Consolas" pitchFamily="49" charset="0"/>
+                <a:cs typeface="Consolas" pitchFamily="49" charset="0"/>
+              </a:rPr>
+              <a:t>[Future[Foo]] </a:t>
+            </a:r>
+            <a:r>
+              <a:rPr lang="de-DE" sz="1600" dirty="0">
+                <a:latin typeface="Consolas" pitchFamily="49" charset="0"/>
+                <a:cs typeface="Consolas" pitchFamily="49" charset="0"/>
+              </a:rPr>
+              <a:t>= </a:t>
+            </a:r>
+            <a:r>
+              <a:rPr lang="de-DE" sz="1600" dirty="0" err="1">
+                <a:latin typeface="Consolas" pitchFamily="49" charset="0"/>
+                <a:cs typeface="Consolas" pitchFamily="49" charset="0"/>
+              </a:rPr>
+              <a:t>for</a:t>
+            </a:r>
+            <a:r>
+              <a:rPr lang="de-DE" sz="1600" dirty="0">
+                <a:latin typeface="Consolas" pitchFamily="49" charset="0"/>
+                <a:cs typeface="Consolas" pitchFamily="49" charset="0"/>
+              </a:rPr>
+              <a:t> .. </a:t>
+            </a:r>
+            <a:r>
+              <a:rPr lang="de-DE" sz="1600" dirty="0" err="1">
+                <a:latin typeface="Consolas" pitchFamily="49" charset="0"/>
+                <a:cs typeface="Consolas" pitchFamily="49" charset="0"/>
+              </a:rPr>
+              <a:t>yield</a:t>
+            </a:r>
+            <a:r>
+              <a:rPr lang="de-DE" sz="1600" dirty="0">
+                <a:latin typeface="Consolas" pitchFamily="49" charset="0"/>
+                <a:cs typeface="Consolas" pitchFamily="49" charset="0"/>
+              </a:rPr>
+              <a:t> </a:t>
+            </a:r>
+            <a:r>
+              <a:rPr lang="de-DE" sz="1600" dirty="0" smtClean="0">
+                <a:latin typeface="Consolas" pitchFamily="49" charset="0"/>
+                <a:cs typeface="Consolas" pitchFamily="49" charset="0"/>
+              </a:rPr>
+              <a:t>Future {..}</a:t>
+            </a:r>
+            <a:endParaRPr lang="de-DE" sz="1600" dirty="0" smtClean="0">
+              <a:latin typeface="Consolas" pitchFamily="49" charset="0"/>
+              <a:cs typeface="Consolas" pitchFamily="49" charset="0"/>
+            </a:endParaRPr>
+          </a:p>
+          <a:p>
+            <a:r>
+              <a:rPr lang="de-DE" sz="1600" dirty="0" err="1" smtClean="0">
+                <a:latin typeface="Consolas" pitchFamily="49" charset="0"/>
+                <a:cs typeface="Consolas" pitchFamily="49" charset="0"/>
+              </a:rPr>
+              <a:t>val</a:t>
+            </a:r>
+            <a:r>
+              <a:rPr lang="de-DE" sz="1600" dirty="0" smtClean="0">
+                <a:latin typeface="Consolas" pitchFamily="49" charset="0"/>
+                <a:cs typeface="Consolas" pitchFamily="49" charset="0"/>
+              </a:rPr>
+              <a:t> f2: </a:t>
+            </a:r>
+            <a:r>
+              <a:rPr lang="de-DE" sz="1600" dirty="0" smtClean="0">
+                <a:latin typeface="Consolas" pitchFamily="49" charset="0"/>
+                <a:cs typeface="Consolas" pitchFamily="49" charset="0"/>
+              </a:rPr>
+              <a:t>Future[Double] </a:t>
+            </a:r>
+            <a:r>
+              <a:rPr lang="de-DE" sz="1600" dirty="0" smtClean="0">
+                <a:latin typeface="Consolas" pitchFamily="49" charset="0"/>
+                <a:cs typeface="Consolas" pitchFamily="49" charset="0"/>
+              </a:rPr>
+              <a:t>= </a:t>
+            </a:r>
+            <a:r>
+              <a:rPr lang="de-DE" sz="1600" dirty="0" err="1" smtClean="0">
+                <a:latin typeface="Consolas" pitchFamily="49" charset="0"/>
+                <a:cs typeface="Consolas" pitchFamily="49" charset="0"/>
+              </a:rPr>
+              <a:t>Future.fold</a:t>
+            </a:r>
+            <a:r>
+              <a:rPr lang="de-DE" sz="1600" dirty="0" smtClean="0">
+                <a:latin typeface="Consolas" pitchFamily="49" charset="0"/>
+                <a:cs typeface="Consolas" pitchFamily="49" charset="0"/>
+              </a:rPr>
+              <a:t>(f1)(42.13){</a:t>
+            </a:r>
+            <a:endParaRPr lang="de-DE" sz="1600" dirty="0" smtClean="0">
+              <a:latin typeface="Consolas" pitchFamily="49" charset="0"/>
+              <a:cs typeface="Consolas" pitchFamily="49" charset="0"/>
+            </a:endParaRPr>
+          </a:p>
+          <a:p>
+            <a:r>
+              <a:rPr lang="de-DE" sz="1600" dirty="0">
+                <a:latin typeface="Consolas" pitchFamily="49" charset="0"/>
+                <a:cs typeface="Consolas" pitchFamily="49" charset="0"/>
+              </a:rPr>
+              <a:t> </a:t>
+            </a:r>
+            <a:r>
+              <a:rPr lang="de-DE" sz="1600" dirty="0" smtClean="0">
+                <a:latin typeface="Consolas" pitchFamily="49" charset="0"/>
+                <a:cs typeface="Consolas" pitchFamily="49" charset="0"/>
+              </a:rPr>
+              <a:t> </a:t>
+            </a:r>
+            <a:r>
+              <a:rPr lang="de-DE" sz="1600" dirty="0" smtClean="0">
+                <a:latin typeface="Consolas" pitchFamily="49" charset="0"/>
+                <a:cs typeface="Consolas" pitchFamily="49" charset="0"/>
+              </a:rPr>
+              <a:t>(</a:t>
+            </a:r>
+            <a:r>
+              <a:rPr lang="de-DE" sz="1600" dirty="0" err="1" smtClean="0">
+                <a:latin typeface="Consolas" pitchFamily="49" charset="0"/>
+                <a:cs typeface="Consolas" pitchFamily="49" charset="0"/>
+              </a:rPr>
+              <a:t>sum</a:t>
+            </a:r>
+            <a:r>
+              <a:rPr lang="de-DE" sz="1600" dirty="0" smtClean="0">
+                <a:latin typeface="Consolas" pitchFamily="49" charset="0"/>
+                <a:cs typeface="Consolas" pitchFamily="49" charset="0"/>
+              </a:rPr>
+              <a:t>, </a:t>
+            </a:r>
+            <a:r>
+              <a:rPr lang="de-DE" sz="1600" dirty="0">
+                <a:latin typeface="Consolas" pitchFamily="49" charset="0"/>
+                <a:cs typeface="Consolas" pitchFamily="49" charset="0"/>
+              </a:rPr>
+              <a:t>a</a:t>
+            </a:r>
+            <a:r>
+              <a:rPr lang="de-DE" sz="1600" dirty="0" smtClean="0">
+                <a:latin typeface="Consolas" pitchFamily="49" charset="0"/>
+                <a:cs typeface="Consolas" pitchFamily="49" charset="0"/>
+              </a:rPr>
+              <a:t>) </a:t>
+            </a:r>
+            <a:r>
+              <a:rPr lang="de-DE" sz="1600" dirty="0" smtClean="0">
+                <a:latin typeface="Consolas" pitchFamily="49" charset="0"/>
+                <a:cs typeface="Consolas" pitchFamily="49" charset="0"/>
+              </a:rPr>
+              <a:t>=&gt; </a:t>
+            </a:r>
+            <a:r>
+              <a:rPr lang="de-DE" sz="1600" dirty="0" err="1" smtClean="0">
+                <a:latin typeface="Consolas" pitchFamily="49" charset="0"/>
+                <a:cs typeface="Consolas" pitchFamily="49" charset="0"/>
+              </a:rPr>
+              <a:t>sum</a:t>
+            </a:r>
+            <a:r>
+              <a:rPr lang="de-DE" sz="1600" dirty="0" smtClean="0">
+                <a:latin typeface="Consolas" pitchFamily="49" charset="0"/>
+                <a:cs typeface="Consolas" pitchFamily="49" charset="0"/>
+              </a:rPr>
+              <a:t> </a:t>
+            </a:r>
+            <a:r>
+              <a:rPr lang="de-DE" sz="1600" dirty="0" smtClean="0">
+                <a:latin typeface="Consolas" pitchFamily="49" charset="0"/>
+                <a:cs typeface="Consolas" pitchFamily="49" charset="0"/>
+              </a:rPr>
+              <a:t>+ </a:t>
+            </a:r>
+            <a:r>
+              <a:rPr lang="de-DE" sz="1600" dirty="0" err="1">
+                <a:latin typeface="Consolas" pitchFamily="49" charset="0"/>
+                <a:cs typeface="Consolas" pitchFamily="49" charset="0"/>
+              </a:rPr>
+              <a:t>a</a:t>
+            </a:r>
+            <a:r>
+              <a:rPr lang="de-DE" sz="1600" dirty="0" err="1" smtClean="0">
+                <a:latin typeface="Consolas" pitchFamily="49" charset="0"/>
+                <a:cs typeface="Consolas" pitchFamily="49" charset="0"/>
+              </a:rPr>
+              <a:t>.x</a:t>
+            </a:r>
+            <a:endParaRPr lang="de-DE" sz="1600" dirty="0">
+              <a:latin typeface="Consolas" pitchFamily="49" charset="0"/>
+              <a:cs typeface="Consolas" pitchFamily="49" charset="0"/>
+            </a:endParaRPr>
+          </a:p>
+          <a:p>
+            <a:r>
+              <a:rPr lang="de-DE" sz="1600" dirty="0" smtClean="0">
+                <a:latin typeface="Consolas" pitchFamily="49" charset="0"/>
+                <a:cs typeface="Consolas" pitchFamily="49" charset="0"/>
+              </a:rPr>
+              <a:t>}</a:t>
+            </a:r>
+            <a:endParaRPr lang="de-DE" sz="1600" dirty="0">
+              <a:latin typeface="Consolas" pitchFamily="49" charset="0"/>
+              <a:cs typeface="Consolas" pitchFamily="49" charset="0"/>
+            </a:endParaRPr>
+          </a:p>
         </p:txBody>
       </p:sp>
     </p:spTree>
     <p:extLst>
       <p:ext uri="{BB962C8B-B14F-4D97-AF65-F5344CB8AC3E}">
-        <p14:creationId xmlns:p14="http://schemas.microsoft.com/office/powerpoint/2010/main" val="1983301459"/>
+        <p14:creationId xmlns:p14="http://schemas.microsoft.com/office/powerpoint/2010/main" val="3045776094"/>
       </p:ext>
     </p:extLst>
   </p:cSld>
@@ -4641,7 +5806,7 @@
           <a:p>
             <a:r>
               <a:rPr lang="de-DE" dirty="0" smtClean="0"/>
-              <a:t>Futures und Spray-Routing</a:t>
+              <a:t>Futures und Akka</a:t>
             </a:r>
             <a:endParaRPr lang="de-DE" dirty="0"/>
           </a:p>
@@ -4659,8 +5824,8 @@
         </p:nvSpPr>
         <p:spPr>
           <a:xfrm>
-            <a:off x="360000" y="1620000"/>
-            <a:ext cx="8172440" cy="4479943"/>
+            <a:off x="107504" y="1620000"/>
+            <a:ext cx="8784976" cy="4479943"/>
           </a:xfrm>
         </p:spPr>
         <p:txBody>
@@ -4673,8 +5838,21 @@
             </a:pPr>
             <a:r>
               <a:rPr lang="de-DE" dirty="0" smtClean="0"/>
-              <a:t>direkte Unterstützung für Futures in complete()</a:t>
-            </a:r>
+              <a:t>Akka Ask („?“) Methode liefert ein </a:t>
+            </a:r>
+            <a:r>
+              <a:rPr lang="de-DE" dirty="0" smtClean="0"/>
+              <a:t>Future[</a:t>
+            </a:r>
+            <a:r>
+              <a:rPr lang="de-DE" dirty="0" err="1" smtClean="0"/>
+              <a:t>Any</a:t>
+            </a:r>
+            <a:r>
+              <a:rPr lang="de-DE" dirty="0" smtClean="0"/>
+              <a:t>]</a:t>
+            </a:r>
+            <a:endParaRPr lang="de-DE" dirty="0" smtClean="0"/>
           </a:p>
           <a:p>
             <a:pPr marL="342900" indent="-342900">
@@ -4683,237 +5861,134 @@
             </a:pPr>
             <a:r>
               <a:rPr lang="de-DE" dirty="0" smtClean="0"/>
-              <a:t>seit Version 1.2-M8 zusätzlich mit onSuccess, onFailure und onComplete Direktiven</a:t>
-            </a:r>
-            <a:endParaRPr lang="de-DE" dirty="0"/>
-          </a:p>
-        </p:txBody>
-      </p:sp>
-      <p:sp>
-        <p:nvSpPr>
-          <p:cNvPr id="4" name="TextBox 3"/>
-          <p:cNvSpPr txBox="1"/>
-          <p:nvPr/>
-        </p:nvSpPr>
-        <p:spPr>
-          <a:xfrm>
-            <a:off x="347154" y="3140968"/>
-            <a:ext cx="928524" cy="369332"/>
-          </a:xfrm>
-          <a:prstGeom prst="rect">
-            <a:avLst/>
-          </a:prstGeom>
-          <a:noFill/>
-        </p:spPr>
-        <p:txBody>
-          <a:bodyPr wrap="none" rtlCol="0">
-            <a:spAutoFit/>
-          </a:bodyPr>
-          <a:lstStyle/>
-          <a:p>
-            <a:r>
-              <a:rPr lang="de-DE" u="sng" dirty="0" smtClean="0"/>
-              <a:t>Vorher</a:t>
+              <a:t>Weiterleitung eines Ergebnisses mit </a:t>
+            </a:r>
+            <a:r>
+              <a:rPr lang="de-DE" i="1" dirty="0" err="1" smtClean="0"/>
+              <a:t>pipeTo</a:t>
             </a:r>
             <a:r>
               <a:rPr lang="de-DE" dirty="0" smtClean="0"/>
-              <a:t>:</a:t>
-            </a:r>
-          </a:p>
-        </p:txBody>
-      </p:sp>
-      <p:sp>
-        <p:nvSpPr>
-          <p:cNvPr id="5" name="TextBox 4"/>
-          <p:cNvSpPr txBox="1"/>
-          <p:nvPr/>
-        </p:nvSpPr>
-        <p:spPr>
-          <a:xfrm>
-            <a:off x="347154" y="4899614"/>
-            <a:ext cx="1120820" cy="369332"/>
-          </a:xfrm>
-          <a:prstGeom prst="rect">
-            <a:avLst/>
-          </a:prstGeom>
-          <a:noFill/>
-        </p:spPr>
-        <p:txBody>
-          <a:bodyPr wrap="none" rtlCol="0">
-            <a:spAutoFit/>
-          </a:bodyPr>
-          <a:lstStyle/>
-          <a:p>
-            <a:r>
-              <a:rPr lang="de-DE" u="sng" dirty="0" smtClean="0"/>
-              <a:t>Nachher</a:t>
+              <a:t> möglich</a:t>
+            </a:r>
+            <a:endParaRPr lang="de-DE" i="1" dirty="0" smtClean="0"/>
+          </a:p>
+          <a:p>
+            <a:pPr marL="342900" indent="-342900">
+              <a:buFontTx/>
+              <a:buChar char="-"/>
+            </a:pPr>
+            <a:r>
+              <a:rPr lang="de-DE" b="1" dirty="0"/>
+              <a:t>Achtung</a:t>
+            </a:r>
+            <a:r>
+              <a:rPr lang="de-DE" dirty="0"/>
+              <a:t>: Kapselung </a:t>
             </a:r>
             <a:r>
               <a:rPr lang="de-DE" dirty="0" smtClean="0"/>
-              <a:t>:</a:t>
-            </a:r>
-          </a:p>
-        </p:txBody>
-      </p:sp>
-      <p:sp>
-        <p:nvSpPr>
-          <p:cNvPr id="6" name="TextBox 5"/>
-          <p:cNvSpPr txBox="1"/>
-          <p:nvPr/>
-        </p:nvSpPr>
-        <p:spPr>
-          <a:xfrm>
-            <a:off x="347154" y="3510300"/>
-            <a:ext cx="8039380" cy="1077218"/>
-          </a:xfrm>
-          <a:prstGeom prst="rect">
-            <a:avLst/>
-          </a:prstGeom>
-          <a:noFill/>
-        </p:spPr>
-        <p:txBody>
-          <a:bodyPr wrap="none" rtlCol="0">
-            <a:spAutoFit/>
-          </a:bodyPr>
-          <a:lstStyle/>
-          <a:p>
-            <a:r>
-              <a:rPr lang="de-DE" sz="1600" dirty="0" smtClean="0">
-                <a:latin typeface="Consolas" pitchFamily="49" charset="0"/>
-                <a:cs typeface="Consolas" pitchFamily="49" charset="0"/>
-              </a:rPr>
-              <a:t>val future = (subjectProviderManager ? GetAllProcessInstances(userId))</a:t>
-            </a:r>
-          </a:p>
-          <a:p>
-            <a:r>
-              <a:rPr lang="de-DE" sz="1600" dirty="0">
-                <a:latin typeface="Consolas" pitchFamily="49" charset="0"/>
-                <a:cs typeface="Consolas" pitchFamily="49" charset="0"/>
-              </a:rPr>
+              <a:t>des internen </a:t>
+            </a:r>
+            <a:r>
+              <a:rPr lang="de-DE" dirty="0" err="1" smtClean="0"/>
+              <a:t>Aktorzustandes</a:t>
+            </a:r>
+            <a:r>
+              <a:rPr lang="de-DE" dirty="0" smtClean="0"/>
               <a:t> </a:t>
             </a:r>
             <a:r>
-              <a:rPr lang="de-DE" sz="1600" dirty="0" smtClean="0">
-                <a:latin typeface="Consolas" pitchFamily="49" charset="0"/>
-                <a:cs typeface="Consolas" pitchFamily="49" charset="0"/>
-              </a:rPr>
-              <a:t> .mapTo[AllProcessInstancesAnswer]</a:t>
-            </a:r>
-          </a:p>
-          <a:p>
-            <a:r>
-              <a:rPr lang="de-DE" sz="1600" dirty="0">
-                <a:latin typeface="Consolas" pitchFamily="49" charset="0"/>
-                <a:cs typeface="Consolas" pitchFamily="49" charset="0"/>
-              </a:rPr>
-              <a:t>v</a:t>
-            </a:r>
-            <a:r>
-              <a:rPr lang="de-DE" sz="1600" dirty="0" smtClean="0">
-                <a:latin typeface="Consolas" pitchFamily="49" charset="0"/>
-                <a:cs typeface="Consolas" pitchFamily="49" charset="0"/>
-              </a:rPr>
-              <a:t>al result = </a:t>
-            </a:r>
-            <a:r>
-              <a:rPr lang="de-DE" sz="1600" b="1" dirty="0" smtClean="0">
-                <a:solidFill>
-                  <a:srgbClr val="FF0000"/>
-                </a:solidFill>
-                <a:latin typeface="Consolas" pitchFamily="49" charset="0"/>
-                <a:cs typeface="Consolas" pitchFamily="49" charset="0"/>
-              </a:rPr>
-              <a:t>Await.result</a:t>
-            </a:r>
-            <a:r>
-              <a:rPr lang="de-DE" sz="1600" dirty="0" smtClean="0">
-                <a:latin typeface="Consolas" pitchFamily="49" charset="0"/>
-                <a:cs typeface="Consolas" pitchFamily="49" charset="0"/>
-              </a:rPr>
-              <a:t>(future, timeout.duration)</a:t>
-            </a:r>
-          </a:p>
-          <a:p>
-            <a:r>
-              <a:rPr lang="de-DE" sz="1600" dirty="0" smtClean="0">
-                <a:latin typeface="Consolas" pitchFamily="49" charset="0"/>
-                <a:cs typeface="Consolas" pitchFamily="49" charset="0"/>
-              </a:rPr>
-              <a:t>complete(result.processInstanceInfo)</a:t>
-            </a:r>
-            <a:endParaRPr lang="de-DE" sz="1600" dirty="0">
-              <a:latin typeface="Consolas" pitchFamily="49" charset="0"/>
-              <a:cs typeface="Consolas" pitchFamily="49" charset="0"/>
-            </a:endParaRPr>
-          </a:p>
-        </p:txBody>
-      </p:sp>
-      <p:sp>
-        <p:nvSpPr>
-          <p:cNvPr id="7" name="TextBox 6"/>
-          <p:cNvSpPr txBox="1"/>
-          <p:nvPr/>
-        </p:nvSpPr>
-        <p:spPr>
-          <a:xfrm>
-            <a:off x="347154" y="5268946"/>
-            <a:ext cx="8039380" cy="830997"/>
-          </a:xfrm>
-          <a:prstGeom prst="rect">
-            <a:avLst/>
-          </a:prstGeom>
-          <a:noFill/>
-        </p:spPr>
-        <p:txBody>
-          <a:bodyPr wrap="none" rtlCol="0">
-            <a:spAutoFit/>
-          </a:bodyPr>
-          <a:lstStyle/>
-          <a:p>
-            <a:r>
-              <a:rPr lang="de-DE" sz="1600" dirty="0" smtClean="0">
-                <a:latin typeface="Consolas" pitchFamily="49" charset="0"/>
-                <a:cs typeface="Consolas" pitchFamily="49" charset="0"/>
-              </a:rPr>
-              <a:t>val future = (subjectProviderManager ? GetAllProcessInstances(userId))</a:t>
-            </a:r>
-          </a:p>
-          <a:p>
-            <a:r>
-              <a:rPr lang="de-DE" sz="1600" dirty="0">
-                <a:latin typeface="Consolas" pitchFamily="49" charset="0"/>
-                <a:cs typeface="Consolas" pitchFamily="49" charset="0"/>
-              </a:rPr>
+              <a:rPr lang="de-DE" dirty="0" smtClean="0"/>
+              <a:t>beachten!</a:t>
+            </a:r>
+          </a:p>
+          <a:p>
+            <a:pPr marL="701675" lvl="2" indent="-342900">
+              <a:buFontTx/>
+              <a:buChar char="-"/>
+            </a:pPr>
+            <a:r>
+              <a:rPr lang="de-DE" dirty="0">
+                <a:hlinkClick r:id="rId2"/>
+              </a:rPr>
+              <a:t>http://</a:t>
+            </a:r>
+            <a:r>
+              <a:rPr lang="de-DE" dirty="0" smtClean="0">
+                <a:hlinkClick r:id="rId2"/>
+              </a:rPr>
+              <a:t>doc.akka.io/docs/akka/current/general/jmm.html#jmm-shared-state</a:t>
+            </a:r>
+            <a:endParaRPr lang="de-DE" dirty="0" smtClean="0"/>
+          </a:p>
+          <a:p>
+            <a:pPr marL="701675" lvl="2" indent="-342900">
+              <a:buFontTx/>
+              <a:buChar char="-"/>
+            </a:pPr>
+            <a:r>
+              <a:rPr lang="de-DE" dirty="0" smtClean="0"/>
+              <a:t>"</a:t>
+            </a:r>
+            <a:r>
+              <a:rPr lang="de-DE" dirty="0" err="1" smtClean="0"/>
+              <a:t>sender</a:t>
+            </a:r>
+            <a:r>
+              <a:rPr lang="de-DE" dirty="0"/>
+              <a:t>"</a:t>
+            </a:r>
+            <a:r>
+              <a:rPr lang="de-DE" dirty="0" smtClean="0"/>
+              <a:t> ist ein </a:t>
+            </a:r>
+            <a:r>
+              <a:rPr lang="de-DE" i="1" dirty="0" err="1" smtClean="0"/>
+              <a:t>def</a:t>
+            </a:r>
+            <a:r>
+              <a:rPr lang="de-DE" dirty="0"/>
               <a:t> </a:t>
             </a:r>
             <a:r>
-              <a:rPr lang="de-DE" sz="1600" dirty="0" smtClean="0">
-                <a:latin typeface="Consolas" pitchFamily="49" charset="0"/>
-                <a:cs typeface="Consolas" pitchFamily="49" charset="0"/>
-              </a:rPr>
-              <a:t> .mapTo[AllProcessInstancesAnswer]</a:t>
-            </a:r>
-          </a:p>
-          <a:p>
-            <a:r>
-              <a:rPr lang="de-DE" sz="1600" dirty="0" smtClean="0">
-                <a:latin typeface="Consolas" pitchFamily="49" charset="0"/>
-                <a:cs typeface="Consolas" pitchFamily="49" charset="0"/>
-              </a:rPr>
-              <a:t>complete(future.map(result =&gt; result.processInstanceInfo))</a:t>
-            </a:r>
-            <a:endParaRPr lang="de-DE" sz="1600" dirty="0">
-              <a:latin typeface="Consolas" pitchFamily="49" charset="0"/>
-              <a:cs typeface="Consolas" pitchFamily="49" charset="0"/>
-            </a:endParaRPr>
+              <a:rPr lang="de-DE" dirty="0" smtClean="0"/>
+              <a:t>und könnte sich zwischenzeitlich bei Eintreffen einer anderen </a:t>
+            </a:r>
+            <a:r>
+              <a:rPr lang="de-DE" dirty="0"/>
+              <a:t>Nachricht </a:t>
+            </a:r>
+            <a:r>
+              <a:rPr lang="de-DE" dirty="0" smtClean="0"/>
+              <a:t>ändern</a:t>
+            </a:r>
+          </a:p>
+          <a:p>
+            <a:pPr marL="342900" lvl="1" indent="-342900">
+              <a:buFontTx/>
+              <a:buChar char="-"/>
+            </a:pPr>
+            <a:r>
+              <a:rPr lang="de-DE" dirty="0">
+                <a:hlinkClick r:id="rId3"/>
+              </a:rPr>
+              <a:t>http://</a:t>
+            </a:r>
+            <a:r>
+              <a:rPr lang="de-DE" dirty="0" smtClean="0">
+                <a:hlinkClick r:id="rId3"/>
+              </a:rPr>
+              <a:t>doc.akka.io/docs/akka/current/scala/futures.html</a:t>
+            </a:r>
+            <a:endParaRPr lang="de-DE" dirty="0" smtClean="0"/>
           </a:p>
         </p:txBody>
       </p:sp>
     </p:spTree>
     <p:extLst>
       <p:ext uri="{BB962C8B-B14F-4D97-AF65-F5344CB8AC3E}">
-        <p14:creationId xmlns:p14="http://schemas.microsoft.com/office/powerpoint/2010/main" val="333693387"/>
+        <p14:creationId xmlns:p14="http://schemas.microsoft.com/office/powerpoint/2010/main" val="507203549"/>
       </p:ext>
     </p:extLst>
   </p:cSld>
@@ -4957,6 +6032,741 @@
           <a:p>
             <a:r>
               <a:rPr lang="de-DE" dirty="0" smtClean="0"/>
+              <a:t>Futures und Akka</a:t>
+            </a:r>
+            <a:endParaRPr lang="de-DE" dirty="0"/>
+          </a:p>
+        </p:txBody>
+      </p:sp>
+      <p:sp>
+        <p:nvSpPr>
+          <p:cNvPr id="5" name="TextBox 4"/>
+          <p:cNvSpPr txBox="1"/>
+          <p:nvPr/>
+        </p:nvSpPr>
+        <p:spPr>
+          <a:xfrm>
+            <a:off x="125810" y="2420888"/>
+            <a:ext cx="8784976" cy="2800767"/>
+          </a:xfrm>
+          <a:prstGeom prst="rect">
+            <a:avLst/>
+          </a:prstGeom>
+          <a:noFill/>
+        </p:spPr>
+        <p:txBody>
+          <a:bodyPr wrap="square" rtlCol="0">
+            <a:spAutoFit/>
+          </a:bodyPr>
+          <a:lstStyle/>
+          <a:p>
+            <a:r>
+              <a:rPr lang="de-DE" sz="1600" dirty="0" err="1" smtClean="0">
+                <a:latin typeface="Consolas" pitchFamily="49" charset="0"/>
+                <a:cs typeface="Consolas" pitchFamily="49" charset="0"/>
+              </a:rPr>
+              <a:t>import</a:t>
+            </a:r>
+            <a:r>
+              <a:rPr lang="de-DE" sz="1600" dirty="0" smtClean="0">
+                <a:latin typeface="Consolas" pitchFamily="49" charset="0"/>
+                <a:cs typeface="Consolas" pitchFamily="49" charset="0"/>
+              </a:rPr>
+              <a:t> </a:t>
+            </a:r>
+            <a:r>
+              <a:rPr lang="de-DE" sz="1600" dirty="0" err="1" smtClean="0">
+                <a:latin typeface="Consolas" pitchFamily="49" charset="0"/>
+                <a:cs typeface="Consolas" pitchFamily="49" charset="0"/>
+              </a:rPr>
+              <a:t>akka.pattern</a:t>
+            </a:r>
+            <a:r>
+              <a:rPr lang="de-DE" sz="1600" dirty="0" smtClean="0">
+                <a:latin typeface="Consolas" pitchFamily="49" charset="0"/>
+                <a:cs typeface="Consolas" pitchFamily="49" charset="0"/>
+              </a:rPr>
+              <a:t>.{</a:t>
+            </a:r>
+            <a:r>
+              <a:rPr lang="de-DE" sz="1600" dirty="0" err="1" smtClean="0">
+                <a:latin typeface="Consolas" pitchFamily="49" charset="0"/>
+                <a:cs typeface="Consolas" pitchFamily="49" charset="0"/>
+              </a:rPr>
+              <a:t>ask</a:t>
+            </a:r>
+            <a:r>
+              <a:rPr lang="de-DE" sz="1600" dirty="0" smtClean="0">
+                <a:latin typeface="Consolas" pitchFamily="49" charset="0"/>
+                <a:cs typeface="Consolas" pitchFamily="49" charset="0"/>
+              </a:rPr>
+              <a:t>, </a:t>
+            </a:r>
+            <a:r>
+              <a:rPr lang="de-DE" sz="1600" dirty="0" err="1" smtClean="0">
+                <a:latin typeface="Consolas" pitchFamily="49" charset="0"/>
+                <a:cs typeface="Consolas" pitchFamily="49" charset="0"/>
+              </a:rPr>
+              <a:t>pipe</a:t>
+            </a:r>
+            <a:r>
+              <a:rPr lang="de-DE" sz="1600" dirty="0" smtClean="0">
+                <a:latin typeface="Consolas" pitchFamily="49" charset="0"/>
+                <a:cs typeface="Consolas" pitchFamily="49" charset="0"/>
+              </a:rPr>
+              <a:t>}</a:t>
+            </a:r>
+          </a:p>
+          <a:p>
+            <a:endParaRPr lang="de-DE" sz="1600" dirty="0" smtClean="0">
+              <a:latin typeface="Consolas" pitchFamily="49" charset="0"/>
+              <a:cs typeface="Consolas" pitchFamily="49" charset="0"/>
+            </a:endParaRPr>
+          </a:p>
+          <a:p>
+            <a:r>
+              <a:rPr lang="de-DE" sz="1600" dirty="0" err="1" smtClean="0">
+                <a:latin typeface="Consolas" pitchFamily="49" charset="0"/>
+                <a:cs typeface="Consolas" pitchFamily="49" charset="0"/>
+              </a:rPr>
+              <a:t>val</a:t>
+            </a:r>
+            <a:r>
+              <a:rPr lang="de-DE" sz="1600" dirty="0" smtClean="0">
+                <a:latin typeface="Consolas" pitchFamily="49" charset="0"/>
+                <a:cs typeface="Consolas" pitchFamily="49" charset="0"/>
+              </a:rPr>
+              <a:t> </a:t>
+            </a:r>
+            <a:r>
+              <a:rPr lang="de-DE" sz="1600" dirty="0" smtClean="0">
+                <a:latin typeface="Consolas" pitchFamily="49" charset="0"/>
+                <a:cs typeface="Consolas" pitchFamily="49" charset="0"/>
+              </a:rPr>
+              <a:t>from = sender</a:t>
+            </a:r>
+          </a:p>
+          <a:p>
+            <a:endParaRPr lang="de-DE" sz="1600" dirty="0" smtClean="0">
+              <a:latin typeface="Consolas" pitchFamily="49" charset="0"/>
+              <a:cs typeface="Consolas" pitchFamily="49" charset="0"/>
+            </a:endParaRPr>
+          </a:p>
+          <a:p>
+            <a:r>
+              <a:rPr lang="de-DE" sz="1600" dirty="0" err="1" smtClean="0">
+                <a:latin typeface="Consolas" pitchFamily="49" charset="0"/>
+                <a:cs typeface="Consolas" pitchFamily="49" charset="0"/>
+              </a:rPr>
+              <a:t>val</a:t>
+            </a:r>
+            <a:r>
+              <a:rPr lang="de-DE" sz="1600" dirty="0" smtClean="0">
+                <a:latin typeface="Consolas" pitchFamily="49" charset="0"/>
+                <a:cs typeface="Consolas" pitchFamily="49" charset="0"/>
+              </a:rPr>
+              <a:t> </a:t>
+            </a:r>
+            <a:r>
+              <a:rPr lang="de-DE" sz="1600" dirty="0" err="1" smtClean="0">
+                <a:latin typeface="Consolas" pitchFamily="49" charset="0"/>
+                <a:cs typeface="Consolas" pitchFamily="49" charset="0"/>
+              </a:rPr>
+              <a:t>result</a:t>
+            </a:r>
+            <a:r>
+              <a:rPr lang="de-DE" sz="1600" dirty="0" smtClean="0">
+                <a:latin typeface="Consolas" pitchFamily="49" charset="0"/>
+                <a:cs typeface="Consolas" pitchFamily="49" charset="0"/>
+              </a:rPr>
+              <a:t>: Future[Info] </a:t>
+            </a:r>
+            <a:r>
+              <a:rPr lang="de-DE" sz="1600" dirty="0" smtClean="0">
+                <a:latin typeface="Consolas" pitchFamily="49" charset="0"/>
+                <a:cs typeface="Consolas" pitchFamily="49" charset="0"/>
+              </a:rPr>
+              <a:t>= (actorA ? GetInfo).mapTo[Info]</a:t>
+            </a:r>
+          </a:p>
+          <a:p>
+            <a:endParaRPr lang="de-DE" sz="1600" dirty="0" smtClean="0">
+              <a:latin typeface="Consolas" pitchFamily="49" charset="0"/>
+              <a:cs typeface="Consolas" pitchFamily="49" charset="0"/>
+            </a:endParaRPr>
+          </a:p>
+          <a:p>
+            <a:r>
+              <a:rPr lang="de-DE" sz="1600" dirty="0" err="1" smtClean="0">
+                <a:latin typeface="Consolas" pitchFamily="49" charset="0"/>
+                <a:cs typeface="Consolas" pitchFamily="49" charset="0"/>
+              </a:rPr>
+              <a:t>val</a:t>
+            </a:r>
+            <a:r>
+              <a:rPr lang="de-DE" sz="1600" dirty="0" smtClean="0">
+                <a:latin typeface="Consolas" pitchFamily="49" charset="0"/>
+                <a:cs typeface="Consolas" pitchFamily="49" charset="0"/>
+              </a:rPr>
+              <a:t> </a:t>
+            </a:r>
+            <a:r>
+              <a:rPr lang="de-DE" sz="1600" dirty="0" err="1" smtClean="0">
+                <a:latin typeface="Consolas" pitchFamily="49" charset="0"/>
+                <a:cs typeface="Consolas" pitchFamily="49" charset="0"/>
+              </a:rPr>
+              <a:t>wrapped</a:t>
+            </a:r>
+            <a:r>
+              <a:rPr lang="de-DE" sz="1600" dirty="0">
+                <a:latin typeface="Consolas" pitchFamily="49" charset="0"/>
+                <a:cs typeface="Consolas" pitchFamily="49" charset="0"/>
+              </a:rPr>
+              <a:t>: Future[</a:t>
+            </a:r>
+            <a:r>
+              <a:rPr lang="de-DE" sz="1600" dirty="0" err="1">
+                <a:latin typeface="Consolas" pitchFamily="49" charset="0"/>
+                <a:cs typeface="Consolas" pitchFamily="49" charset="0"/>
+              </a:rPr>
+              <a:t>InfoRequestResult</a:t>
+            </a:r>
+            <a:r>
+              <a:rPr lang="de-DE" sz="1600" dirty="0" smtClean="0">
+                <a:latin typeface="Consolas" pitchFamily="49" charset="0"/>
+                <a:cs typeface="Consolas" pitchFamily="49" charset="0"/>
+              </a:rPr>
+              <a:t>] = </a:t>
+            </a:r>
+            <a:r>
+              <a:rPr lang="de-DE" sz="1600" dirty="0" err="1" smtClean="0">
+                <a:latin typeface="Consolas" pitchFamily="49" charset="0"/>
+                <a:cs typeface="Consolas" pitchFamily="49" charset="0"/>
+              </a:rPr>
+              <a:t>result.map</a:t>
+            </a:r>
+            <a:r>
+              <a:rPr lang="de-DE" sz="1600" dirty="0" smtClean="0">
+                <a:latin typeface="Consolas" pitchFamily="49" charset="0"/>
+                <a:cs typeface="Consolas" pitchFamily="49" charset="0"/>
+              </a:rPr>
+              <a:t>(</a:t>
+            </a:r>
+          </a:p>
+          <a:p>
+            <a:r>
+              <a:rPr lang="de-DE" sz="1600" dirty="0">
+                <a:latin typeface="Consolas" pitchFamily="49" charset="0"/>
+                <a:cs typeface="Consolas" pitchFamily="49" charset="0"/>
+              </a:rPr>
+              <a:t> </a:t>
+            </a:r>
+            <a:r>
+              <a:rPr lang="de-DE" sz="1600" dirty="0" smtClean="0">
+                <a:latin typeface="Consolas" pitchFamily="49" charset="0"/>
+                <a:cs typeface="Consolas" pitchFamily="49" charset="0"/>
+              </a:rPr>
+              <a:t>   </a:t>
+            </a:r>
+            <a:r>
+              <a:rPr lang="de-DE" sz="1600" dirty="0" err="1" smtClean="0">
+                <a:latin typeface="Consolas" pitchFamily="49" charset="0"/>
+                <a:cs typeface="Consolas" pitchFamily="49" charset="0"/>
+              </a:rPr>
+              <a:t>info</a:t>
+            </a:r>
+            <a:r>
+              <a:rPr lang="de-DE" sz="1600" dirty="0" smtClean="0">
+                <a:latin typeface="Consolas" pitchFamily="49" charset="0"/>
+                <a:cs typeface="Consolas" pitchFamily="49" charset="0"/>
+              </a:rPr>
+              <a:t> </a:t>
+            </a:r>
+            <a:r>
+              <a:rPr lang="de-DE" sz="1600" dirty="0" smtClean="0">
+                <a:latin typeface="Consolas" pitchFamily="49" charset="0"/>
+                <a:cs typeface="Consolas" pitchFamily="49" charset="0"/>
+              </a:rPr>
+              <a:t>=&gt; InfoRequestResult(info, </a:t>
+            </a:r>
+            <a:r>
+              <a:rPr lang="de-DE" sz="1600" dirty="0" err="1" smtClean="0">
+                <a:latin typeface="Consolas" pitchFamily="49" charset="0"/>
+                <a:cs typeface="Consolas" pitchFamily="49" charset="0"/>
+              </a:rPr>
+              <a:t>from</a:t>
+            </a:r>
+            <a:r>
+              <a:rPr lang="de-DE" sz="1600" dirty="0" smtClean="0">
+                <a:latin typeface="Consolas" pitchFamily="49" charset="0"/>
+                <a:cs typeface="Consolas" pitchFamily="49" charset="0"/>
+              </a:rPr>
+              <a:t>)</a:t>
+            </a:r>
+          </a:p>
+          <a:p>
+            <a:r>
+              <a:rPr lang="de-DE" sz="1600" dirty="0">
+                <a:latin typeface="Consolas" pitchFamily="49" charset="0"/>
+                <a:cs typeface="Consolas" pitchFamily="49" charset="0"/>
+              </a:rPr>
+              <a:t> </a:t>
+            </a:r>
+            <a:r>
+              <a:rPr lang="de-DE" sz="1600" dirty="0" smtClean="0">
+                <a:latin typeface="Consolas" pitchFamily="49" charset="0"/>
+                <a:cs typeface="Consolas" pitchFamily="49" charset="0"/>
+              </a:rPr>
+              <a:t> </a:t>
+            </a:r>
+            <a:r>
+              <a:rPr lang="de-DE" sz="1600" dirty="0" smtClean="0">
+                <a:latin typeface="Consolas" pitchFamily="49" charset="0"/>
+                <a:cs typeface="Consolas" pitchFamily="49" charset="0"/>
+              </a:rPr>
+              <a:t>)</a:t>
+            </a:r>
+          </a:p>
+          <a:p>
+            <a:endParaRPr lang="de-DE" sz="1600" dirty="0" smtClean="0">
+              <a:latin typeface="Consolas" pitchFamily="49" charset="0"/>
+              <a:cs typeface="Consolas" pitchFamily="49" charset="0"/>
+            </a:endParaRPr>
+          </a:p>
+          <a:p>
+            <a:r>
+              <a:rPr lang="de-DE" sz="1600" dirty="0" err="1" smtClean="0">
+                <a:latin typeface="Consolas" pitchFamily="49" charset="0"/>
+                <a:cs typeface="Consolas" pitchFamily="49" charset="0"/>
+              </a:rPr>
+              <a:t>wrapped</a:t>
+            </a:r>
+            <a:r>
+              <a:rPr lang="de-DE" sz="1600" dirty="0" smtClean="0">
+                <a:latin typeface="Consolas" pitchFamily="49" charset="0"/>
+                <a:cs typeface="Consolas" pitchFamily="49" charset="0"/>
+              </a:rPr>
+              <a:t> </a:t>
+            </a:r>
+            <a:r>
+              <a:rPr lang="de-DE" sz="1600" dirty="0" err="1" smtClean="0">
+                <a:latin typeface="Consolas" pitchFamily="49" charset="0"/>
+                <a:cs typeface="Consolas" pitchFamily="49" charset="0"/>
+              </a:rPr>
+              <a:t>pipeTo</a:t>
+            </a:r>
+            <a:r>
+              <a:rPr lang="de-DE" sz="1600" dirty="0" smtClean="0">
+                <a:latin typeface="Consolas" pitchFamily="49" charset="0"/>
+                <a:cs typeface="Consolas" pitchFamily="49" charset="0"/>
+              </a:rPr>
+              <a:t> </a:t>
+            </a:r>
+            <a:r>
+              <a:rPr lang="de-DE" sz="1600" dirty="0" err="1">
+                <a:latin typeface="Consolas" pitchFamily="49" charset="0"/>
+                <a:cs typeface="Consolas" pitchFamily="49" charset="0"/>
+              </a:rPr>
+              <a:t>actorB</a:t>
+            </a:r>
+            <a:endParaRPr lang="de-DE" sz="1600" dirty="0">
+              <a:latin typeface="Consolas" pitchFamily="49" charset="0"/>
+              <a:cs typeface="Consolas" pitchFamily="49" charset="0"/>
+            </a:endParaRPr>
+          </a:p>
+        </p:txBody>
+      </p:sp>
+      <p:sp>
+        <p:nvSpPr>
+          <p:cNvPr id="6" name="Inhaltsplatzhalter 5"/>
+          <p:cNvSpPr>
+            <a:spLocks noGrp="1"/>
+          </p:cNvSpPr>
+          <p:nvPr>
+            <p:ph idx="1"/>
+          </p:nvPr>
+        </p:nvSpPr>
+        <p:spPr>
+          <a:xfrm>
+            <a:off x="360000" y="1620001"/>
+            <a:ext cx="6823569" cy="656872"/>
+          </a:xfrm>
+        </p:spPr>
+        <p:txBody>
+          <a:bodyPr/>
+          <a:lstStyle/>
+          <a:p>
+            <a:r>
+              <a:rPr lang="de-DE" u="sng" dirty="0" smtClean="0"/>
+              <a:t>Beispiel:</a:t>
+            </a:r>
+            <a:endParaRPr lang="de-DE" u="sng" dirty="0"/>
+          </a:p>
+        </p:txBody>
+      </p:sp>
+    </p:spTree>
+    <p:extLst>
+      <p:ext uri="{BB962C8B-B14F-4D97-AF65-F5344CB8AC3E}">
+        <p14:creationId xmlns:p14="http://schemas.microsoft.com/office/powerpoint/2010/main" val="1983301459"/>
+      </p:ext>
+    </p:extLst>
+  </p:cSld>
+  <p:clrMapOvr>
+    <a:masterClrMapping/>
+  </p:clrMapOvr>
+</p:sld>
+</file>
+
+<file path=ppt/slides/slide7.xml><?xml version="1.0" encoding="utf-8"?>
+<p:sld xmlns:a="http://schemas.openxmlformats.org/drawingml/2006/main" xmlns:r="http://schemas.openxmlformats.org/officeDocument/2006/relationships" xmlns:p="http://schemas.openxmlformats.org/presentationml/2006/main">
+  <p:cSld>
+    <p:spTree>
+      <p:nvGrpSpPr>
+        <p:cNvPr id="1" name=""/>
+        <p:cNvGrpSpPr/>
+        <p:nvPr/>
+      </p:nvGrpSpPr>
+      <p:grpSpPr>
+        <a:xfrm>
+          <a:off x="0" y="0"/>
+          <a:ext cx="0" cy="0"/>
+          <a:chOff x="0" y="0"/>
+          <a:chExt cx="0" cy="0"/>
+        </a:xfrm>
+      </p:grpSpPr>
+      <p:sp>
+        <p:nvSpPr>
+          <p:cNvPr id="2" name="Title 1"/>
+          <p:cNvSpPr>
+            <a:spLocks noGrp="1"/>
+          </p:cNvSpPr>
+          <p:nvPr>
+            <p:ph type="title"/>
+          </p:nvPr>
+        </p:nvSpPr>
+        <p:spPr/>
+        <p:txBody>
+          <a:bodyPr/>
+          <a:lstStyle/>
+          <a:p>
+            <a:r>
+              <a:rPr lang="de-DE" dirty="0" smtClean="0"/>
+              <a:t>Futures und Spray-Routing</a:t>
+            </a:r>
+            <a:endParaRPr lang="de-DE" dirty="0"/>
+          </a:p>
+        </p:txBody>
+      </p:sp>
+      <p:sp>
+        <p:nvSpPr>
+          <p:cNvPr id="3" name="Content Placeholder 2"/>
+          <p:cNvSpPr>
+            <a:spLocks noGrp="1"/>
+          </p:cNvSpPr>
+          <p:nvPr>
+            <p:ph idx="1"/>
+          </p:nvPr>
+        </p:nvSpPr>
+        <p:spPr>
+          <a:xfrm>
+            <a:off x="360000" y="1620000"/>
+            <a:ext cx="8172440" cy="4479943"/>
+          </a:xfrm>
+        </p:spPr>
+        <p:txBody>
+          <a:bodyPr/>
+          <a:lstStyle/>
+          <a:p>
+            <a:pPr marL="342900" indent="-342900">
+              <a:buFontTx/>
+              <a:buChar char="-"/>
+            </a:pPr>
+            <a:r>
+              <a:rPr lang="de-DE" dirty="0" smtClean="0"/>
+              <a:t>direkte Unterstützung für Futures in complete()</a:t>
+            </a:r>
+          </a:p>
+          <a:p>
+            <a:pPr marL="342900" indent="-342900">
+              <a:buFontTx/>
+              <a:buChar char="-"/>
+            </a:pPr>
+            <a:r>
+              <a:rPr lang="de-DE" dirty="0" smtClean="0"/>
+              <a:t>seit Version 1.2-M8 zusätzlich mit onSuccess, onFailure und onComplete Direktiven</a:t>
+            </a:r>
+            <a:endParaRPr lang="de-DE" dirty="0"/>
+          </a:p>
+        </p:txBody>
+      </p:sp>
+      <p:sp>
+        <p:nvSpPr>
+          <p:cNvPr id="4" name="TextBox 3"/>
+          <p:cNvSpPr txBox="1"/>
+          <p:nvPr/>
+        </p:nvSpPr>
+        <p:spPr>
+          <a:xfrm>
+            <a:off x="347154" y="3140968"/>
+            <a:ext cx="928524" cy="369332"/>
+          </a:xfrm>
+          <a:prstGeom prst="rect">
+            <a:avLst/>
+          </a:prstGeom>
+          <a:noFill/>
+        </p:spPr>
+        <p:txBody>
+          <a:bodyPr wrap="none" rtlCol="0">
+            <a:spAutoFit/>
+          </a:bodyPr>
+          <a:lstStyle/>
+          <a:p>
+            <a:r>
+              <a:rPr lang="de-DE" u="sng" dirty="0" smtClean="0"/>
+              <a:t>Vorher</a:t>
+            </a:r>
+            <a:r>
+              <a:rPr lang="de-DE" dirty="0" smtClean="0"/>
+              <a:t>:</a:t>
+            </a:r>
+          </a:p>
+        </p:txBody>
+      </p:sp>
+      <p:sp>
+        <p:nvSpPr>
+          <p:cNvPr id="5" name="TextBox 4"/>
+          <p:cNvSpPr txBox="1"/>
+          <p:nvPr/>
+        </p:nvSpPr>
+        <p:spPr>
+          <a:xfrm>
+            <a:off x="347154" y="4899614"/>
+            <a:ext cx="1120820" cy="369332"/>
+          </a:xfrm>
+          <a:prstGeom prst="rect">
+            <a:avLst/>
+          </a:prstGeom>
+          <a:noFill/>
+        </p:spPr>
+        <p:txBody>
+          <a:bodyPr wrap="none" rtlCol="0">
+            <a:spAutoFit/>
+          </a:bodyPr>
+          <a:lstStyle/>
+          <a:p>
+            <a:r>
+              <a:rPr lang="de-DE" u="sng" dirty="0" smtClean="0"/>
+              <a:t>Nachher</a:t>
+            </a:r>
+            <a:r>
+              <a:rPr lang="de-DE" dirty="0" smtClean="0"/>
+              <a:t>:</a:t>
+            </a:r>
+          </a:p>
+        </p:txBody>
+      </p:sp>
+      <p:sp>
+        <p:nvSpPr>
+          <p:cNvPr id="6" name="TextBox 5"/>
+          <p:cNvSpPr txBox="1"/>
+          <p:nvPr/>
+        </p:nvSpPr>
+        <p:spPr>
+          <a:xfrm>
+            <a:off x="347154" y="3510300"/>
+            <a:ext cx="8039380" cy="1077218"/>
+          </a:xfrm>
+          <a:prstGeom prst="rect">
+            <a:avLst/>
+          </a:prstGeom>
+          <a:noFill/>
+        </p:spPr>
+        <p:txBody>
+          <a:bodyPr wrap="none" rtlCol="0">
+            <a:spAutoFit/>
+          </a:bodyPr>
+          <a:lstStyle/>
+          <a:p>
+            <a:r>
+              <a:rPr lang="de-DE" sz="1600" dirty="0" smtClean="0">
+                <a:latin typeface="Consolas" pitchFamily="49" charset="0"/>
+                <a:cs typeface="Consolas" pitchFamily="49" charset="0"/>
+              </a:rPr>
+              <a:t>val future = (subjectProviderManager ? GetAllProcessInstances(userId))</a:t>
+            </a:r>
+          </a:p>
+          <a:p>
+            <a:r>
+              <a:rPr lang="de-DE" sz="1600" dirty="0">
+                <a:latin typeface="Consolas" pitchFamily="49" charset="0"/>
+                <a:cs typeface="Consolas" pitchFamily="49" charset="0"/>
+              </a:rPr>
+              <a:t> </a:t>
+            </a:r>
+            <a:r>
+              <a:rPr lang="de-DE" sz="1600" dirty="0" smtClean="0">
+                <a:latin typeface="Consolas" pitchFamily="49" charset="0"/>
+                <a:cs typeface="Consolas" pitchFamily="49" charset="0"/>
+              </a:rPr>
+              <a:t> .mapTo[AllProcessInstancesAnswer]</a:t>
+            </a:r>
+          </a:p>
+          <a:p>
+            <a:r>
+              <a:rPr lang="de-DE" sz="1600" dirty="0">
+                <a:latin typeface="Consolas" pitchFamily="49" charset="0"/>
+                <a:cs typeface="Consolas" pitchFamily="49" charset="0"/>
+              </a:rPr>
+              <a:t>v</a:t>
+            </a:r>
+            <a:r>
+              <a:rPr lang="de-DE" sz="1600" dirty="0" smtClean="0">
+                <a:latin typeface="Consolas" pitchFamily="49" charset="0"/>
+                <a:cs typeface="Consolas" pitchFamily="49" charset="0"/>
+              </a:rPr>
+              <a:t>al result = </a:t>
+            </a:r>
+            <a:r>
+              <a:rPr lang="de-DE" sz="1600" b="1" dirty="0" smtClean="0">
+                <a:solidFill>
+                  <a:srgbClr val="FF0000"/>
+                </a:solidFill>
+                <a:latin typeface="Consolas" pitchFamily="49" charset="0"/>
+                <a:cs typeface="Consolas" pitchFamily="49" charset="0"/>
+              </a:rPr>
+              <a:t>Await.result</a:t>
+            </a:r>
+            <a:r>
+              <a:rPr lang="de-DE" sz="1600" dirty="0" smtClean="0">
+                <a:latin typeface="Consolas" pitchFamily="49" charset="0"/>
+                <a:cs typeface="Consolas" pitchFamily="49" charset="0"/>
+              </a:rPr>
+              <a:t>(future, timeout.duration)</a:t>
+            </a:r>
+          </a:p>
+          <a:p>
+            <a:r>
+              <a:rPr lang="de-DE" sz="1600" dirty="0" smtClean="0">
+                <a:latin typeface="Consolas" pitchFamily="49" charset="0"/>
+                <a:cs typeface="Consolas" pitchFamily="49" charset="0"/>
+              </a:rPr>
+              <a:t>complete(result.processInstanceInfo)</a:t>
+            </a:r>
+            <a:endParaRPr lang="de-DE" sz="1600" dirty="0">
+              <a:latin typeface="Consolas" pitchFamily="49" charset="0"/>
+              <a:cs typeface="Consolas" pitchFamily="49" charset="0"/>
+            </a:endParaRPr>
+          </a:p>
+        </p:txBody>
+      </p:sp>
+      <p:sp>
+        <p:nvSpPr>
+          <p:cNvPr id="7" name="TextBox 6"/>
+          <p:cNvSpPr txBox="1"/>
+          <p:nvPr/>
+        </p:nvSpPr>
+        <p:spPr>
+          <a:xfrm>
+            <a:off x="347154" y="5268946"/>
+            <a:ext cx="8039380" cy="830997"/>
+          </a:xfrm>
+          <a:prstGeom prst="rect">
+            <a:avLst/>
+          </a:prstGeom>
+          <a:noFill/>
+        </p:spPr>
+        <p:txBody>
+          <a:bodyPr wrap="none" rtlCol="0">
+            <a:spAutoFit/>
+          </a:bodyPr>
+          <a:lstStyle/>
+          <a:p>
+            <a:r>
+              <a:rPr lang="de-DE" sz="1600" dirty="0" smtClean="0">
+                <a:latin typeface="Consolas" pitchFamily="49" charset="0"/>
+                <a:cs typeface="Consolas" pitchFamily="49" charset="0"/>
+              </a:rPr>
+              <a:t>val future = (subjectProviderManager ? GetAllProcessInstances(userId))</a:t>
+            </a:r>
+          </a:p>
+          <a:p>
+            <a:r>
+              <a:rPr lang="de-DE" sz="1600" dirty="0">
+                <a:latin typeface="Consolas" pitchFamily="49" charset="0"/>
+                <a:cs typeface="Consolas" pitchFamily="49" charset="0"/>
+              </a:rPr>
+              <a:t> </a:t>
+            </a:r>
+            <a:r>
+              <a:rPr lang="de-DE" sz="1600" dirty="0" smtClean="0">
+                <a:latin typeface="Consolas" pitchFamily="49" charset="0"/>
+                <a:cs typeface="Consolas" pitchFamily="49" charset="0"/>
+              </a:rPr>
+              <a:t> .mapTo[AllProcessInstancesAnswer]</a:t>
+            </a:r>
+          </a:p>
+          <a:p>
+            <a:r>
+              <a:rPr lang="de-DE" sz="1600" dirty="0" smtClean="0">
+                <a:latin typeface="Consolas" pitchFamily="49" charset="0"/>
+                <a:cs typeface="Consolas" pitchFamily="49" charset="0"/>
+              </a:rPr>
+              <a:t>complete(future.map(result =&gt; result.processInstanceInfo))</a:t>
+            </a:r>
+            <a:endParaRPr lang="de-DE" sz="1600" dirty="0">
+              <a:latin typeface="Consolas" pitchFamily="49" charset="0"/>
+              <a:cs typeface="Consolas" pitchFamily="49" charset="0"/>
+            </a:endParaRPr>
+          </a:p>
+        </p:txBody>
+      </p:sp>
+    </p:spTree>
+    <p:extLst>
+      <p:ext uri="{BB962C8B-B14F-4D97-AF65-F5344CB8AC3E}">
+        <p14:creationId xmlns:p14="http://schemas.microsoft.com/office/powerpoint/2010/main" val="333693387"/>
+      </p:ext>
+    </p:extLst>
+  </p:cSld>
+  <p:clrMapOvr>
+    <a:masterClrMapping/>
+  </p:clrMapOvr>
+</p:sld>
+</file>
+
+<file path=ppt/slides/slide8.xml><?xml version="1.0" encoding="utf-8"?>
+<p:sld xmlns:a="http://schemas.openxmlformats.org/drawingml/2006/main" xmlns:r="http://schemas.openxmlformats.org/officeDocument/2006/relationships" xmlns:p="http://schemas.openxmlformats.org/presentationml/2006/main">
+  <p:cSld>
+    <p:spTree>
+      <p:nvGrpSpPr>
+        <p:cNvPr id="1" name=""/>
+        <p:cNvGrpSpPr/>
+        <p:nvPr/>
+      </p:nvGrpSpPr>
+      <p:grpSpPr>
+        <a:xfrm>
+          <a:off x="0" y="0"/>
+          <a:ext cx="0" cy="0"/>
+          <a:chOff x="0" y="0"/>
+          <a:chExt cx="0" cy="0"/>
+        </a:xfrm>
+      </p:grpSpPr>
+      <p:sp>
+        <p:nvSpPr>
+          <p:cNvPr id="2" name="Title 1"/>
+          <p:cNvSpPr>
+            <a:spLocks noGrp="1"/>
+          </p:cNvSpPr>
+          <p:nvPr>
+            <p:ph type="title"/>
+          </p:nvPr>
+        </p:nvSpPr>
+        <p:spPr/>
+        <p:txBody>
+          <a:bodyPr/>
+          <a:lstStyle/>
+          <a:p>
+            <a:r>
+              <a:rPr lang="de-DE" dirty="0" smtClean="0"/>
               <a:t>Beispiel für </a:t>
             </a:r>
             <a:r>
@@ -5690,7 +7500,7 @@
 </p:sld>
 </file>
 
-<file path=ppt/slides/slide7.xml><?xml version="1.0" encoding="utf-8"?>
+<file path=ppt/slides/slide9.xml><?xml version="1.0" encoding="utf-8"?>
 <p:sld xmlns:a="http://schemas.openxmlformats.org/drawingml/2006/main" xmlns:r="http://schemas.openxmlformats.org/officeDocument/2006/relationships" xmlns:p="http://schemas.openxmlformats.org/presentationml/2006/main">
   <p:cSld>
     <p:spTree>
@@ -6313,452 +8123,6 @@
     <p:extLst>
       <p:ext uri="{BB962C8B-B14F-4D97-AF65-F5344CB8AC3E}">
         <p14:creationId xmlns:p14="http://schemas.microsoft.com/office/powerpoint/2010/main" val="960930420"/>
-      </p:ext>
-    </p:extLst>
-  </p:cSld>
-  <p:clrMapOvr>
-    <a:masterClrMapping/>
-  </p:clrMapOvr>
-</p:sld>
-</file>
-
-<file path=ppt/slides/slide8.xml><?xml version="1.0" encoding="utf-8"?>
-<p:sld xmlns:a="http://schemas.openxmlformats.org/drawingml/2006/main" xmlns:r="http://schemas.openxmlformats.org/officeDocument/2006/relationships" xmlns:p="http://schemas.openxmlformats.org/presentationml/2006/main">
-  <p:cSld>
-    <p:spTree>
-      <p:nvGrpSpPr>
-        <p:cNvPr id="1" name=""/>
-        <p:cNvGrpSpPr/>
-        <p:nvPr/>
-      </p:nvGrpSpPr>
-      <p:grpSpPr>
-        <a:xfrm>
-          <a:off x="0" y="0"/>
-          <a:ext cx="0" cy="0"/>
-          <a:chOff x="0" y="0"/>
-          <a:chExt cx="0" cy="0"/>
-        </a:xfrm>
-      </p:grpSpPr>
-      <p:sp>
-        <p:nvSpPr>
-          <p:cNvPr id="2" name="Title 1"/>
-          <p:cNvSpPr>
-            <a:spLocks noGrp="1"/>
-          </p:cNvSpPr>
-          <p:nvPr>
-            <p:ph type="title"/>
-          </p:nvPr>
-        </p:nvSpPr>
-        <p:spPr/>
-        <p:txBody>
-          <a:bodyPr/>
-          <a:lstStyle/>
-          <a:p>
-            <a:r>
-              <a:rPr lang="de-DE" dirty="0"/>
-              <a:t>Aufrufe innerhalb des Routingpfades</a:t>
-            </a:r>
-          </a:p>
-        </p:txBody>
-      </p:sp>
-      <p:sp>
-        <p:nvSpPr>
-          <p:cNvPr id="4" name="TextBox 3"/>
-          <p:cNvSpPr txBox="1"/>
-          <p:nvPr/>
-        </p:nvSpPr>
-        <p:spPr>
-          <a:xfrm>
-            <a:off x="358775" y="1954532"/>
-            <a:ext cx="7165553" cy="1569660"/>
-          </a:xfrm>
-          <a:prstGeom prst="rect">
-            <a:avLst/>
-          </a:prstGeom>
-          <a:noFill/>
-        </p:spPr>
-        <p:txBody>
-          <a:bodyPr wrap="square" rtlCol="0">
-            <a:spAutoFit/>
-          </a:bodyPr>
-          <a:lstStyle/>
-          <a:p>
-            <a:r>
-              <a:rPr lang="de-DE" sz="1600" dirty="0">
-                <a:latin typeface="Consolas" pitchFamily="49" charset="0"/>
-                <a:cs typeface="Consolas" pitchFamily="49" charset="0"/>
-              </a:rPr>
-              <a:t>get {</a:t>
-            </a:r>
-          </a:p>
-          <a:p>
-            <a:r>
-              <a:rPr lang="de-DE" sz="1600" dirty="0" smtClean="0">
-                <a:latin typeface="Consolas" pitchFamily="49" charset="0"/>
-                <a:cs typeface="Consolas" pitchFamily="49" charset="0"/>
-              </a:rPr>
-              <a:t>  complete {</a:t>
-            </a:r>
-          </a:p>
-          <a:p>
-            <a:r>
-              <a:rPr lang="de-DE" sz="1600" dirty="0" smtClean="0">
-                <a:latin typeface="Consolas" pitchFamily="49" charset="0"/>
-                <a:cs typeface="Consolas" pitchFamily="49" charset="0"/>
-              </a:rPr>
-              <a:t>    val </a:t>
-            </a:r>
-            <a:r>
-              <a:rPr lang="de-DE" sz="1600" dirty="0">
-                <a:latin typeface="Consolas" pitchFamily="49" charset="0"/>
-                <a:cs typeface="Consolas" pitchFamily="49" charset="0"/>
-              </a:rPr>
-              <a:t>time = currentTime</a:t>
-            </a:r>
-            <a:r>
-              <a:rPr lang="de-DE" sz="1600" dirty="0" smtClean="0">
-                <a:latin typeface="Consolas" pitchFamily="49" charset="0"/>
-                <a:cs typeface="Consolas" pitchFamily="49" charset="0"/>
-              </a:rPr>
-              <a:t>()</a:t>
-            </a:r>
-          </a:p>
-          <a:p>
-            <a:r>
-              <a:rPr lang="de-DE" sz="1600" dirty="0">
-                <a:latin typeface="Consolas" pitchFamily="49" charset="0"/>
-                <a:cs typeface="Consolas" pitchFamily="49" charset="0"/>
-              </a:rPr>
-              <a:t> </a:t>
-            </a:r>
-            <a:r>
-              <a:rPr lang="de-DE" sz="1600" dirty="0" smtClean="0">
-                <a:latin typeface="Consolas" pitchFamily="49" charset="0"/>
-                <a:cs typeface="Consolas" pitchFamily="49" charset="0"/>
-              </a:rPr>
-              <a:t>   "</a:t>
-            </a:r>
-            <a:r>
-              <a:rPr lang="de-DE" sz="1600" dirty="0" err="1" smtClean="0">
-                <a:latin typeface="Consolas" pitchFamily="49" charset="0"/>
-                <a:cs typeface="Consolas" pitchFamily="49" charset="0"/>
-              </a:rPr>
-              <a:t>Current</a:t>
-            </a:r>
-            <a:r>
-              <a:rPr lang="de-DE" sz="1600" dirty="0" smtClean="0">
-                <a:latin typeface="Consolas" pitchFamily="49" charset="0"/>
-                <a:cs typeface="Consolas" pitchFamily="49" charset="0"/>
-              </a:rPr>
-              <a:t> </a:t>
-            </a:r>
-            <a:r>
-              <a:rPr lang="de-DE" sz="1600" dirty="0">
-                <a:latin typeface="Consolas" pitchFamily="49" charset="0"/>
-                <a:cs typeface="Consolas" pitchFamily="49" charset="0"/>
-              </a:rPr>
-              <a:t>time: "</a:t>
-            </a:r>
-            <a:r>
-              <a:rPr lang="de-DE" sz="1600" dirty="0" smtClean="0">
-                <a:latin typeface="Consolas" pitchFamily="49" charset="0"/>
-                <a:cs typeface="Consolas" pitchFamily="49" charset="0"/>
-              </a:rPr>
-              <a:t> + time</a:t>
-            </a:r>
-          </a:p>
-          <a:p>
-            <a:r>
-              <a:rPr lang="de-DE" sz="1600" dirty="0">
-                <a:latin typeface="Consolas" pitchFamily="49" charset="0"/>
-                <a:cs typeface="Consolas" pitchFamily="49" charset="0"/>
-              </a:rPr>
-              <a:t> </a:t>
-            </a:r>
-            <a:r>
-              <a:rPr lang="de-DE" sz="1600" dirty="0" smtClean="0">
-                <a:latin typeface="Consolas" pitchFamily="49" charset="0"/>
-                <a:cs typeface="Consolas" pitchFamily="49" charset="0"/>
-              </a:rPr>
-              <a:t> }</a:t>
-            </a:r>
-          </a:p>
-          <a:p>
-            <a:r>
-              <a:rPr lang="de-DE" sz="1600" dirty="0" smtClean="0">
-                <a:latin typeface="Consolas" pitchFamily="49" charset="0"/>
-                <a:cs typeface="Consolas" pitchFamily="49" charset="0"/>
-              </a:rPr>
-              <a:t>}</a:t>
-            </a:r>
-            <a:endParaRPr lang="de-DE" sz="1600" dirty="0">
-              <a:latin typeface="Consolas" pitchFamily="49" charset="0"/>
-              <a:cs typeface="Consolas" pitchFamily="49" charset="0"/>
-            </a:endParaRPr>
-          </a:p>
-        </p:txBody>
-      </p:sp>
-      <p:sp>
-        <p:nvSpPr>
-          <p:cNvPr id="5" name="TextBox 4"/>
-          <p:cNvSpPr txBox="1"/>
-          <p:nvPr/>
-        </p:nvSpPr>
-        <p:spPr>
-          <a:xfrm>
-            <a:off x="358775" y="4392236"/>
-            <a:ext cx="7165553" cy="1569660"/>
-          </a:xfrm>
-          <a:prstGeom prst="rect">
-            <a:avLst/>
-          </a:prstGeom>
-          <a:noFill/>
-        </p:spPr>
-        <p:txBody>
-          <a:bodyPr wrap="square" rtlCol="0">
-            <a:spAutoFit/>
-          </a:bodyPr>
-          <a:lstStyle/>
-          <a:p>
-            <a:r>
-              <a:rPr lang="de-DE" sz="1600" dirty="0">
-                <a:latin typeface="Consolas" pitchFamily="49" charset="0"/>
-                <a:cs typeface="Consolas" pitchFamily="49" charset="0"/>
-              </a:rPr>
-              <a:t>get </a:t>
-            </a:r>
-            <a:r>
-              <a:rPr lang="de-DE" sz="1600" dirty="0" smtClean="0">
-                <a:latin typeface="Consolas" pitchFamily="49" charset="0"/>
-                <a:cs typeface="Consolas" pitchFamily="49" charset="0"/>
-              </a:rPr>
-              <a:t>{</a:t>
-            </a:r>
-          </a:p>
-          <a:p>
-            <a:r>
-              <a:rPr lang="de-DE" sz="1600" dirty="0">
-                <a:latin typeface="Consolas" pitchFamily="49" charset="0"/>
-                <a:cs typeface="Consolas" pitchFamily="49" charset="0"/>
-              </a:rPr>
-              <a:t> </a:t>
-            </a:r>
-            <a:r>
-              <a:rPr lang="de-DE" sz="1600" dirty="0" smtClean="0">
-                <a:latin typeface="Consolas" pitchFamily="49" charset="0"/>
-                <a:cs typeface="Consolas" pitchFamily="49" charset="0"/>
-              </a:rPr>
-              <a:t> dynamic {</a:t>
-            </a:r>
-          </a:p>
-          <a:p>
-            <a:r>
-              <a:rPr lang="de-DE" sz="1600" dirty="0">
-                <a:latin typeface="Consolas" pitchFamily="49" charset="0"/>
-                <a:cs typeface="Consolas" pitchFamily="49" charset="0"/>
-              </a:rPr>
-              <a:t> </a:t>
-            </a:r>
-            <a:r>
-              <a:rPr lang="de-DE" sz="1600" dirty="0" smtClean="0">
-                <a:latin typeface="Consolas" pitchFamily="49" charset="0"/>
-                <a:cs typeface="Consolas" pitchFamily="49" charset="0"/>
-              </a:rPr>
-              <a:t>   </a:t>
-            </a:r>
-            <a:r>
-              <a:rPr lang="de-DE" sz="1600" dirty="0">
-                <a:latin typeface="Consolas" pitchFamily="49" charset="0"/>
-                <a:cs typeface="Consolas" pitchFamily="49" charset="0"/>
-              </a:rPr>
-              <a:t>val time = currentTime()</a:t>
-            </a:r>
-          </a:p>
-          <a:p>
-            <a:r>
-              <a:rPr lang="de-DE" sz="1600" dirty="0">
-                <a:latin typeface="Consolas" pitchFamily="49" charset="0"/>
-                <a:cs typeface="Consolas" pitchFamily="49" charset="0"/>
-              </a:rPr>
-              <a:t> </a:t>
-            </a:r>
-            <a:r>
-              <a:rPr lang="de-DE" sz="1600" dirty="0" smtClean="0">
-                <a:latin typeface="Consolas" pitchFamily="49" charset="0"/>
-                <a:cs typeface="Consolas" pitchFamily="49" charset="0"/>
-              </a:rPr>
-              <a:t>   </a:t>
-            </a:r>
-            <a:r>
-              <a:rPr lang="de-DE" sz="1600" dirty="0" err="1" smtClean="0">
-                <a:latin typeface="Consolas" pitchFamily="49" charset="0"/>
-                <a:cs typeface="Consolas" pitchFamily="49" charset="0"/>
-              </a:rPr>
-              <a:t>complete</a:t>
-            </a:r>
-            <a:r>
-              <a:rPr lang="de-DE" sz="1600" dirty="0" smtClean="0">
-                <a:latin typeface="Consolas" pitchFamily="49" charset="0"/>
-                <a:cs typeface="Consolas" pitchFamily="49" charset="0"/>
-              </a:rPr>
-              <a:t>("</a:t>
-            </a:r>
-            <a:r>
-              <a:rPr lang="de-DE" sz="1600" dirty="0" err="1" smtClean="0">
-                <a:latin typeface="Consolas" pitchFamily="49" charset="0"/>
-                <a:cs typeface="Consolas" pitchFamily="49" charset="0"/>
-              </a:rPr>
-              <a:t>Current</a:t>
-            </a:r>
-            <a:r>
-              <a:rPr lang="de-DE" sz="1600" dirty="0" smtClean="0">
-                <a:latin typeface="Consolas" pitchFamily="49" charset="0"/>
-                <a:cs typeface="Consolas" pitchFamily="49" charset="0"/>
-              </a:rPr>
-              <a:t> </a:t>
-            </a:r>
-            <a:r>
-              <a:rPr lang="de-DE" sz="1600" dirty="0">
-                <a:latin typeface="Consolas" pitchFamily="49" charset="0"/>
-                <a:cs typeface="Consolas" pitchFamily="49" charset="0"/>
-              </a:rPr>
-              <a:t>time: </a:t>
-            </a:r>
-            <a:r>
-              <a:rPr lang="de-DE" sz="1600" dirty="0" smtClean="0">
-                <a:latin typeface="Consolas" pitchFamily="49" charset="0"/>
-                <a:cs typeface="Consolas" pitchFamily="49" charset="0"/>
-              </a:rPr>
-              <a:t>" + time)</a:t>
-            </a:r>
-          </a:p>
-          <a:p>
-            <a:r>
-              <a:rPr lang="de-DE" sz="1600" dirty="0">
-                <a:latin typeface="Consolas" pitchFamily="49" charset="0"/>
-                <a:cs typeface="Consolas" pitchFamily="49" charset="0"/>
-              </a:rPr>
-              <a:t> </a:t>
-            </a:r>
-            <a:r>
-              <a:rPr lang="de-DE" sz="1600" dirty="0" smtClean="0">
-                <a:latin typeface="Consolas" pitchFamily="49" charset="0"/>
-                <a:cs typeface="Consolas" pitchFamily="49" charset="0"/>
-              </a:rPr>
-              <a:t> }</a:t>
-            </a:r>
-            <a:endParaRPr lang="de-DE" sz="1600" dirty="0">
-              <a:latin typeface="Consolas" pitchFamily="49" charset="0"/>
-              <a:cs typeface="Consolas" pitchFamily="49" charset="0"/>
-            </a:endParaRPr>
-          </a:p>
-          <a:p>
-            <a:r>
-              <a:rPr lang="de-DE" sz="1600" dirty="0" smtClean="0">
-                <a:latin typeface="Consolas" pitchFamily="49" charset="0"/>
-                <a:cs typeface="Consolas" pitchFamily="49" charset="0"/>
-              </a:rPr>
-              <a:t>}</a:t>
-            </a:r>
-            <a:endParaRPr lang="de-DE" sz="1600" dirty="0">
-              <a:latin typeface="Consolas" pitchFamily="49" charset="0"/>
-              <a:cs typeface="Consolas" pitchFamily="49" charset="0"/>
-            </a:endParaRPr>
-          </a:p>
-        </p:txBody>
-      </p:sp>
-      <p:sp>
-        <p:nvSpPr>
-          <p:cNvPr id="6" name="TextBox 5"/>
-          <p:cNvSpPr txBox="1"/>
-          <p:nvPr/>
-        </p:nvSpPr>
-        <p:spPr>
-          <a:xfrm>
-            <a:off x="358775" y="1568978"/>
-            <a:ext cx="6776279" cy="369332"/>
-          </a:xfrm>
-          <a:prstGeom prst="rect">
-            <a:avLst/>
-          </a:prstGeom>
-          <a:noFill/>
-        </p:spPr>
-        <p:txBody>
-          <a:bodyPr wrap="none" rtlCol="0">
-            <a:spAutoFit/>
-          </a:bodyPr>
-          <a:lstStyle/>
-          <a:p>
-            <a:r>
-              <a:rPr lang="de-DE" u="sng" dirty="0" smtClean="0"/>
-              <a:t>Lösungsmöglichkeit 1</a:t>
-            </a:r>
-            <a:r>
-              <a:rPr lang="de-DE" dirty="0" smtClean="0"/>
-              <a:t>: alle </a:t>
-            </a:r>
-            <a:r>
-              <a:rPr lang="de-DE" dirty="0"/>
-              <a:t>Anweisungen innerhalb </a:t>
-            </a:r>
-            <a:r>
-              <a:rPr lang="de-DE" dirty="0" smtClean="0"/>
-              <a:t>von </a:t>
-            </a:r>
-            <a:r>
-              <a:rPr lang="de-DE" i="1" dirty="0" smtClean="0"/>
-              <a:t>complete</a:t>
-            </a:r>
-            <a:endParaRPr lang="de-DE" i="1" dirty="0"/>
-          </a:p>
-        </p:txBody>
-      </p:sp>
-      <p:sp>
-        <p:nvSpPr>
-          <p:cNvPr id="7" name="TextBox 6"/>
-          <p:cNvSpPr txBox="1"/>
-          <p:nvPr/>
-        </p:nvSpPr>
-        <p:spPr>
-          <a:xfrm>
-            <a:off x="358775" y="4022904"/>
-            <a:ext cx="5673348" cy="369332"/>
-          </a:xfrm>
-          <a:prstGeom prst="rect">
-            <a:avLst/>
-          </a:prstGeom>
-          <a:noFill/>
-        </p:spPr>
-        <p:txBody>
-          <a:bodyPr wrap="none" rtlCol="0">
-            <a:spAutoFit/>
-          </a:bodyPr>
-          <a:lstStyle/>
-          <a:p>
-            <a:r>
-              <a:rPr lang="de-DE" u="sng" dirty="0" smtClean="0"/>
-              <a:t>Lösungsmöglichkeit 2</a:t>
-            </a:r>
-            <a:r>
-              <a:rPr lang="de-DE" dirty="0" smtClean="0"/>
-              <a:t>: Nutzung der </a:t>
-            </a:r>
-            <a:r>
-              <a:rPr lang="de-DE" i="1" dirty="0" smtClean="0"/>
-              <a:t>dynamic</a:t>
-            </a:r>
-            <a:r>
-              <a:rPr lang="de-DE" dirty="0" smtClean="0"/>
-              <a:t> Direktive</a:t>
-            </a:r>
-            <a:endParaRPr lang="de-DE" dirty="0"/>
-          </a:p>
-        </p:txBody>
-      </p:sp>
-    </p:spTree>
-    <p:extLst>
-      <p:ext uri="{BB962C8B-B14F-4D97-AF65-F5344CB8AC3E}">
-        <p14:creationId xmlns:p14="http://schemas.microsoft.com/office/powerpoint/2010/main" val="472612641"/>
       </p:ext>
     </p:extLst>
   </p:cSld>
